--- a/introductionToR.pptx
+++ b/introductionToR.pptx
@@ -32,11 +32,11 @@
     <p:sldId id="280" r:id="rId23"/>
     <p:sldId id="281" r:id="rId24"/>
     <p:sldId id="282" r:id="rId25"/>
-    <p:sldId id="283" r:id="rId26"/>
-    <p:sldId id="284" r:id="rId27"/>
-    <p:sldId id="285" r:id="rId28"/>
-    <p:sldId id="286" r:id="rId29"/>
-    <p:sldId id="288" r:id="rId30"/>
+    <p:sldId id="285" r:id="rId26"/>
+    <p:sldId id="286" r:id="rId27"/>
+    <p:sldId id="284" r:id="rId28"/>
+    <p:sldId id="288" r:id="rId29"/>
+    <p:sldId id="283" r:id="rId30"/>
     <p:sldId id="289" r:id="rId31"/>
     <p:sldId id="290" r:id="rId32"/>
     <p:sldId id="295" r:id="rId33"/>
@@ -235,7 +235,7 @@
           <a:p>
             <a:fld id="{13B7B1BA-AF2D-4A3C-87B6-1D07C61F19B4}" type="datetimeFigureOut">
               <a:rPr lang="en-US" smtClean="0"/>
-              <a:t>8/15/2012</a:t>
+              <a:t>8/17/2012</a:t>
             </a:fld>
             <a:endParaRPr lang="en-US"/>
           </a:p>
@@ -2006,7 +2006,7 @@
     </p:spTree>
     <p:extLst>
       <p:ext uri="{BB962C8B-B14F-4D97-AF65-F5344CB8AC3E}">
-        <p14:creationId xmlns:p14="http://schemas.microsoft.com/office/powerpoint/2010/main" val="236662227"/>
+        <p14:creationId xmlns:p14="http://schemas.microsoft.com/office/powerpoint/2010/main" val="4264118577"/>
       </p:ext>
     </p:extLst>
   </p:cSld>
@@ -2090,7 +2090,7 @@
     </p:spTree>
     <p:extLst>
       <p:ext uri="{BB962C8B-B14F-4D97-AF65-F5344CB8AC3E}">
-        <p14:creationId xmlns:p14="http://schemas.microsoft.com/office/powerpoint/2010/main" val="3095731796"/>
+        <p14:creationId xmlns:p14="http://schemas.microsoft.com/office/powerpoint/2010/main" val="1699110396"/>
       </p:ext>
     </p:extLst>
   </p:cSld>
@@ -2174,7 +2174,7 @@
     </p:spTree>
     <p:extLst>
       <p:ext uri="{BB962C8B-B14F-4D97-AF65-F5344CB8AC3E}">
-        <p14:creationId xmlns:p14="http://schemas.microsoft.com/office/powerpoint/2010/main" val="4264118577"/>
+        <p14:creationId xmlns:p14="http://schemas.microsoft.com/office/powerpoint/2010/main" val="3095731796"/>
       </p:ext>
     </p:extLst>
   </p:cSld>
@@ -2258,7 +2258,7 @@
     </p:spTree>
     <p:extLst>
       <p:ext uri="{BB962C8B-B14F-4D97-AF65-F5344CB8AC3E}">
-        <p14:creationId xmlns:p14="http://schemas.microsoft.com/office/powerpoint/2010/main" val="1699110396"/>
+        <p14:creationId xmlns:p14="http://schemas.microsoft.com/office/powerpoint/2010/main" val="434588381"/>
       </p:ext>
     </p:extLst>
   </p:cSld>
@@ -2342,7 +2342,7 @@
     </p:spTree>
     <p:extLst>
       <p:ext uri="{BB962C8B-B14F-4D97-AF65-F5344CB8AC3E}">
-        <p14:creationId xmlns:p14="http://schemas.microsoft.com/office/powerpoint/2010/main" val="434588381"/>
+        <p14:creationId xmlns:p14="http://schemas.microsoft.com/office/powerpoint/2010/main" val="236662227"/>
       </p:ext>
     </p:extLst>
   </p:cSld>
@@ -5076,7 +5076,7 @@
           <a:p>
             <a:fld id="{6A98A6B1-712E-494A-9ABF-FEA317F9BFD2}" type="datetimeFigureOut">
               <a:rPr lang="en-US" smtClean="0"/>
-              <a:t>8/15/2012</a:t>
+              <a:t>8/17/2012</a:t>
             </a:fld>
             <a:endParaRPr lang="en-US"/>
           </a:p>
@@ -5246,7 +5246,7 @@
           <a:p>
             <a:fld id="{6A98A6B1-712E-494A-9ABF-FEA317F9BFD2}" type="datetimeFigureOut">
               <a:rPr lang="en-US" smtClean="0"/>
-              <a:t>8/15/2012</a:t>
+              <a:t>8/17/2012</a:t>
             </a:fld>
             <a:endParaRPr lang="en-US"/>
           </a:p>
@@ -5426,7 +5426,7 @@
           <a:p>
             <a:fld id="{6A98A6B1-712E-494A-9ABF-FEA317F9BFD2}" type="datetimeFigureOut">
               <a:rPr lang="en-US" smtClean="0"/>
-              <a:t>8/15/2012</a:t>
+              <a:t>8/17/2012</a:t>
             </a:fld>
             <a:endParaRPr lang="en-US"/>
           </a:p>
@@ -5596,7 +5596,7 @@
           <a:p>
             <a:fld id="{6A98A6B1-712E-494A-9ABF-FEA317F9BFD2}" type="datetimeFigureOut">
               <a:rPr lang="en-US" smtClean="0"/>
-              <a:t>8/15/2012</a:t>
+              <a:t>8/17/2012</a:t>
             </a:fld>
             <a:endParaRPr lang="en-US"/>
           </a:p>
@@ -5842,7 +5842,7 @@
           <a:p>
             <a:fld id="{6A98A6B1-712E-494A-9ABF-FEA317F9BFD2}" type="datetimeFigureOut">
               <a:rPr lang="en-US" smtClean="0"/>
-              <a:t>8/15/2012</a:t>
+              <a:t>8/17/2012</a:t>
             </a:fld>
             <a:endParaRPr lang="en-US"/>
           </a:p>
@@ -6130,7 +6130,7 @@
           <a:p>
             <a:fld id="{6A98A6B1-712E-494A-9ABF-FEA317F9BFD2}" type="datetimeFigureOut">
               <a:rPr lang="en-US" smtClean="0"/>
-              <a:t>8/15/2012</a:t>
+              <a:t>8/17/2012</a:t>
             </a:fld>
             <a:endParaRPr lang="en-US"/>
           </a:p>
@@ -6552,7 +6552,7 @@
           <a:p>
             <a:fld id="{6A98A6B1-712E-494A-9ABF-FEA317F9BFD2}" type="datetimeFigureOut">
               <a:rPr lang="en-US" smtClean="0"/>
-              <a:t>8/15/2012</a:t>
+              <a:t>8/17/2012</a:t>
             </a:fld>
             <a:endParaRPr lang="en-US"/>
           </a:p>
@@ -6670,7 +6670,7 @@
           <a:p>
             <a:fld id="{6A98A6B1-712E-494A-9ABF-FEA317F9BFD2}" type="datetimeFigureOut">
               <a:rPr lang="en-US" smtClean="0"/>
-              <a:t>8/15/2012</a:t>
+              <a:t>8/17/2012</a:t>
             </a:fld>
             <a:endParaRPr lang="en-US"/>
           </a:p>
@@ -6765,7 +6765,7 @@
           <a:p>
             <a:fld id="{6A98A6B1-712E-494A-9ABF-FEA317F9BFD2}" type="datetimeFigureOut">
               <a:rPr lang="en-US" smtClean="0"/>
-              <a:t>8/15/2012</a:t>
+              <a:t>8/17/2012</a:t>
             </a:fld>
             <a:endParaRPr lang="en-US"/>
           </a:p>
@@ -7042,7 +7042,7 @@
           <a:p>
             <a:fld id="{6A98A6B1-712E-494A-9ABF-FEA317F9BFD2}" type="datetimeFigureOut">
               <a:rPr lang="en-US" smtClean="0"/>
-              <a:t>8/15/2012</a:t>
+              <a:t>8/17/2012</a:t>
             </a:fld>
             <a:endParaRPr lang="en-US"/>
           </a:p>
@@ -7295,7 +7295,7 @@
           <a:p>
             <a:fld id="{6A98A6B1-712E-494A-9ABF-FEA317F9BFD2}" type="datetimeFigureOut">
               <a:rPr lang="en-US" smtClean="0"/>
-              <a:t>8/15/2012</a:t>
+              <a:t>8/17/2012</a:t>
             </a:fld>
             <a:endParaRPr lang="en-US"/>
           </a:p>
@@ -7508,7 +7508,7 @@
           <a:p>
             <a:fld id="{6A98A6B1-712E-494A-9ABF-FEA317F9BFD2}" type="datetimeFigureOut">
               <a:rPr lang="en-US" smtClean="0"/>
-              <a:t>8/15/2012</a:t>
+              <a:t>8/17/2012</a:t>
             </a:fld>
             <a:endParaRPr lang="en-US"/>
           </a:p>
@@ -12010,7 +12010,7 @@
           <a:p>
             <a:r>
               <a:rPr lang="en-US" dirty="0" smtClean="0"/>
-              <a:t>Vignettes</a:t>
+              <a:t>Creating Variables</a:t>
             </a:r>
             <a:endParaRPr lang="en-US" dirty="0"/>
           </a:p>
@@ -12026,196 +12026,232 @@
             <p:ph idx="1"/>
           </p:nvPr>
         </p:nvSpPr>
-        <p:spPr>
-          <a:xfrm>
-            <a:off x="457200" y="1600200"/>
-            <a:ext cx="8229600" cy="4648200"/>
-          </a:xfrm>
-        </p:spPr>
+        <p:spPr/>
         <p:txBody>
           <a:bodyPr>
-            <a:normAutofit fontScale="62500" lnSpcReduction="20000"/>
+            <a:normAutofit/>
           </a:bodyPr>
           <a:lstStyle/>
           <a:p>
-            <a:r>
-              <a:rPr lang="en-US" dirty="0" smtClean="0"/>
-              <a:t>Some packages have vignettes</a:t>
-            </a:r>
-          </a:p>
-          <a:p>
-            <a:pPr lvl="1"/>
-            <a:r>
-              <a:rPr lang="en-US" dirty="0" smtClean="0"/>
-              <a:t>A vignettes is an example of how to run the code and a lot of additional text explaining a lot more that you may want to know</a:t>
-            </a:r>
-          </a:p>
-          <a:p>
-            <a:endParaRPr lang="en-US" dirty="0"/>
-          </a:p>
-          <a:p>
-            <a:r>
-              <a:rPr lang="en-US" dirty="0" smtClean="0"/>
-              <a:t>List all available vignettes:</a:t>
-            </a:r>
-          </a:p>
-          <a:p>
-            <a:pPr marL="457200" lvl="1" indent="0">
+            <a:pPr marL="457200" lvl="1" indent="-342900">
+              <a:lnSpc>
+                <a:spcPct val="95000"/>
+              </a:lnSpc>
+              <a:spcBef>
+                <a:spcPct val="0"/>
+              </a:spcBef>
+              <a:buClr>
+                <a:srgbClr val="000000"/>
+              </a:buClr>
+              <a:buFontTx/>
+              <a:buChar char="•"/>
+            </a:pPr>
+            <a:r>
+              <a:rPr lang="en-US" dirty="0">
+                <a:solidFill>
+                  <a:srgbClr val="000000"/>
+                </a:solidFill>
+                <a:latin typeface="Arial" pitchFamily="34" charset="0"/>
+              </a:rPr>
+              <a:t>Named containers for data</a:t>
+            </a:r>
+          </a:p>
+          <a:p>
+            <a:pPr marL="0" indent="0">
+              <a:lnSpc>
+                <a:spcPct val="95000"/>
+              </a:lnSpc>
+              <a:spcBef>
+                <a:spcPct val="0"/>
+              </a:spcBef>
+              <a:buFontTx/>
               <a:buNone/>
             </a:pPr>
-            <a:endParaRPr lang="en-US" dirty="0" smtClean="0"/>
-          </a:p>
-          <a:p>
-            <a:pPr marL="457200" lvl="1" indent="0">
+            <a:endParaRPr lang="en-US" sz="2800" dirty="0">
+              <a:solidFill>
+                <a:srgbClr val="000000"/>
+              </a:solidFill>
+              <a:latin typeface="Arial" pitchFamily="34" charset="0"/>
+            </a:endParaRPr>
+          </a:p>
+          <a:p>
+            <a:pPr marL="457200" lvl="1" indent="-342900">
+              <a:lnSpc>
+                <a:spcPct val="95000"/>
+              </a:lnSpc>
+              <a:spcBef>
+                <a:spcPct val="0"/>
+              </a:spcBef>
+              <a:buClr>
+                <a:srgbClr val="000000"/>
+              </a:buClr>
+              <a:buFontTx/>
+              <a:buChar char="•"/>
+            </a:pPr>
+            <a:r>
+              <a:rPr lang="en-US" dirty="0">
+                <a:solidFill>
+                  <a:srgbClr val="000000"/>
+                </a:solidFill>
+                <a:latin typeface="Arial" pitchFamily="34" charset="0"/>
+              </a:rPr>
+              <a:t>Names can be anything you like except for 'special' words</a:t>
+            </a:r>
+          </a:p>
+          <a:p>
+            <a:pPr marL="0" indent="0">
+              <a:lnSpc>
+                <a:spcPct val="95000"/>
+              </a:lnSpc>
+              <a:spcBef>
+                <a:spcPct val="0"/>
+              </a:spcBef>
+              <a:buFontTx/>
               <a:buNone/>
             </a:pPr>
+            <a:endParaRPr lang="en-US" sz="2800" dirty="0">
+              <a:solidFill>
+                <a:srgbClr val="000000"/>
+              </a:solidFill>
+              <a:latin typeface="Arial" pitchFamily="34" charset="0"/>
+            </a:endParaRPr>
+          </a:p>
+          <a:p>
+            <a:pPr marL="457200" lvl="1" indent="-342900">
+              <a:lnSpc>
+                <a:spcPct val="95000"/>
+              </a:lnSpc>
+              <a:spcBef>
+                <a:spcPct val="0"/>
+              </a:spcBef>
+              <a:buClr>
+                <a:srgbClr val="000000"/>
+              </a:buClr>
+              <a:buFontTx/>
+              <a:buChar char="•"/>
+            </a:pPr>
+            <a:r>
+              <a:rPr lang="en-US" dirty="0">
+                <a:solidFill>
+                  <a:srgbClr val="000000"/>
+                </a:solidFill>
+                <a:latin typeface="Arial" pitchFamily="34" charset="0"/>
+              </a:rPr>
+              <a:t>Better if names describe what the stored data </a:t>
+            </a:r>
             <a:r>
               <a:rPr lang="en-US" dirty="0" smtClean="0">
                 <a:solidFill>
-                  <a:srgbClr val="FF0000"/>
-                </a:solidFill>
-                <a:latin typeface="Courier New" pitchFamily="49" charset="0"/>
-                <a:cs typeface="Courier New" pitchFamily="49" charset="0"/>
-              </a:rPr>
-              <a:t>vignette()</a:t>
-            </a:r>
-          </a:p>
-          <a:p>
-            <a:endParaRPr lang="en-US" dirty="0" smtClean="0"/>
-          </a:p>
-          <a:p>
-            <a:r>
-              <a:rPr lang="en-US" dirty="0" smtClean="0"/>
-              <a:t>Display the vignette as a </a:t>
-            </a:r>
-            <a:r>
-              <a:rPr lang="en-US" dirty="0" err="1" smtClean="0"/>
-              <a:t>pdf</a:t>
-            </a:r>
-            <a:r>
-              <a:rPr lang="en-US" dirty="0" smtClean="0"/>
-              <a:t> by executing</a:t>
-            </a:r>
-          </a:p>
-          <a:p>
-            <a:pPr marL="457200" lvl="1" indent="0">
+                  <a:srgbClr val="000000"/>
+                </a:solidFill>
+                <a:latin typeface="Arial" pitchFamily="34" charset="0"/>
+              </a:rPr>
+              <a:t>is Creating </a:t>
+            </a:r>
+            <a:r>
+              <a:rPr lang="en-US" dirty="0">
+                <a:solidFill>
+                  <a:srgbClr val="000000"/>
+                </a:solidFill>
+                <a:latin typeface="Arial" pitchFamily="34" charset="0"/>
+              </a:rPr>
+              <a:t>/ Setting variables is a matter of </a:t>
+            </a:r>
+            <a:r>
+              <a:rPr lang="en-US" dirty="0" smtClean="0">
+                <a:solidFill>
+                  <a:srgbClr val="000000"/>
+                </a:solidFill>
+                <a:latin typeface="Arial" pitchFamily="34" charset="0"/>
+              </a:rPr>
+              <a:t>equality:</a:t>
+            </a:r>
+          </a:p>
+          <a:p>
+            <a:pPr marL="514350" lvl="2" indent="0">
+              <a:lnSpc>
+                <a:spcPct val="95000"/>
+              </a:lnSpc>
+              <a:spcBef>
+                <a:spcPct val="0"/>
+              </a:spcBef>
+              <a:buClr>
+                <a:srgbClr val="000000"/>
+              </a:buClr>
               <a:buNone/>
             </a:pPr>
-            <a:endParaRPr lang="en-US" dirty="0" smtClean="0"/>
-          </a:p>
-          <a:p>
-            <a:pPr marL="457200" lvl="1" indent="0">
+            <a:endParaRPr lang="en-US" sz="2800" dirty="0">
+              <a:solidFill>
+                <a:srgbClr val="000000"/>
+              </a:solidFill>
+              <a:latin typeface="Arial" pitchFamily="34" charset="0"/>
+            </a:endParaRPr>
+          </a:p>
+          <a:p>
+            <a:pPr marL="514350" lvl="2" indent="0">
+              <a:lnSpc>
+                <a:spcPct val="95000"/>
+              </a:lnSpc>
+              <a:spcBef>
+                <a:spcPct val="0"/>
+              </a:spcBef>
+              <a:buClr>
+                <a:srgbClr val="000000"/>
+              </a:buClr>
               <a:buNone/>
             </a:pPr>
             <a:r>
-              <a:rPr lang="en-US" dirty="0">
+              <a:rPr lang="en-US" sz="2800" dirty="0" err="1" smtClean="0">
                 <a:solidFill>
                   <a:srgbClr val="FF0000"/>
                 </a:solidFill>
                 <a:latin typeface="Courier New" pitchFamily="49" charset="0"/>
-                <a:cs typeface="Courier New" pitchFamily="49" charset="0"/>
-              </a:rPr>
-              <a:t>v</a:t>
-            </a:r>
-            <a:r>
-              <a:rPr lang="en-US" dirty="0" smtClean="0">
+              </a:rPr>
+              <a:t>var</a:t>
+            </a:r>
+            <a:r>
+              <a:rPr lang="en-US" sz="2800" dirty="0" smtClean="0">
                 <a:solidFill>
                   <a:srgbClr val="FF0000"/>
                 </a:solidFill>
                 <a:latin typeface="Courier New" pitchFamily="49" charset="0"/>
-                <a:cs typeface="Courier New" pitchFamily="49" charset="0"/>
-              </a:rPr>
-              <a:t>ignette(‘&lt;topic&gt;’)</a:t>
-            </a:r>
-            <a:endParaRPr lang="en-US" dirty="0">
+              </a:rPr>
+              <a:t> </a:t>
+            </a:r>
+            <a:r>
+              <a:rPr lang="en-US" sz="2800" dirty="0">
+                <a:solidFill>
+                  <a:srgbClr val="FF0000"/>
+                </a:solidFill>
+                <a:latin typeface="Courier New" pitchFamily="49" charset="0"/>
+              </a:rPr>
+              <a:t>= </a:t>
+            </a:r>
+            <a:r>
+              <a:rPr lang="en-US" sz="2800" dirty="0" err="1" smtClean="0">
+                <a:solidFill>
+                  <a:srgbClr val="FF0000"/>
+                </a:solidFill>
+                <a:latin typeface="Courier New" pitchFamily="49" charset="0"/>
+              </a:rPr>
+              <a:t>somedata</a:t>
+            </a:r>
+            <a:endParaRPr lang="en-US" sz="2800" dirty="0">
               <a:solidFill>
-                <a:srgbClr val="FF0000"/>
+                <a:srgbClr val="000000"/>
               </a:solidFill>
-              <a:latin typeface="Courier New" pitchFamily="49" charset="0"/>
-              <a:cs typeface="Courier New" pitchFamily="49" charset="0"/>
+              <a:latin typeface="Arial" pitchFamily="34" charset="0"/>
             </a:endParaRPr>
           </a:p>
           <a:p>
-            <a:endParaRPr lang="en-US" dirty="0" smtClean="0"/>
-          </a:p>
-          <a:p>
-            <a:r>
-              <a:rPr lang="en-US" dirty="0" smtClean="0"/>
-              <a:t>To play with the vignette code</a:t>
-            </a:r>
-          </a:p>
-          <a:p>
-            <a:pPr marL="457200" lvl="1" indent="0">
-              <a:buNone/>
-            </a:pPr>
             <a:endParaRPr lang="en-US" dirty="0"/>
-          </a:p>
-          <a:p>
-            <a:pPr marL="457200" lvl="1" indent="0">
-              <a:buNone/>
-            </a:pPr>
-            <a:r>
-              <a:rPr lang="en-US" dirty="0" err="1" smtClean="0">
-                <a:solidFill>
-                  <a:srgbClr val="FF0000"/>
-                </a:solidFill>
-                <a:latin typeface="Courier New" pitchFamily="49" charset="0"/>
-                <a:cs typeface="Courier New" pitchFamily="49" charset="0"/>
-              </a:rPr>
-              <a:t>vig</a:t>
-            </a:r>
-            <a:r>
-              <a:rPr lang="en-US" dirty="0" smtClean="0">
-                <a:solidFill>
-                  <a:srgbClr val="FF0000"/>
-                </a:solidFill>
-                <a:latin typeface="Courier New" pitchFamily="49" charset="0"/>
-                <a:cs typeface="Courier New" pitchFamily="49" charset="0"/>
-              </a:rPr>
-              <a:t> = vignette(‘&lt;topic&gt;’)</a:t>
-            </a:r>
-          </a:p>
-          <a:p>
-            <a:pPr marL="457200" lvl="1" indent="0">
-              <a:buNone/>
-            </a:pPr>
-            <a:r>
-              <a:rPr lang="en-US" dirty="0" smtClean="0">
-                <a:solidFill>
-                  <a:srgbClr val="FF0000"/>
-                </a:solidFill>
-                <a:latin typeface="Courier New" pitchFamily="49" charset="0"/>
-                <a:cs typeface="Courier New" pitchFamily="49" charset="0"/>
-              </a:rPr>
-              <a:t>edit(</a:t>
-            </a:r>
-            <a:r>
-              <a:rPr lang="en-US" dirty="0" err="1" smtClean="0">
-                <a:solidFill>
-                  <a:srgbClr val="FF0000"/>
-                </a:solidFill>
-                <a:latin typeface="Courier New" pitchFamily="49" charset="0"/>
-                <a:cs typeface="Courier New" pitchFamily="49" charset="0"/>
-              </a:rPr>
-              <a:t>vig</a:t>
-            </a:r>
-            <a:r>
-              <a:rPr lang="en-US" dirty="0" smtClean="0">
-                <a:solidFill>
-                  <a:srgbClr val="FF0000"/>
-                </a:solidFill>
-                <a:latin typeface="Courier New" pitchFamily="49" charset="0"/>
-                <a:cs typeface="Courier New" pitchFamily="49" charset="0"/>
-              </a:rPr>
-              <a:t>)</a:t>
-            </a:r>
           </a:p>
         </p:txBody>
       </p:sp>
     </p:spTree>
     <p:extLst>
       <p:ext uri="{BB962C8B-B14F-4D97-AF65-F5344CB8AC3E}">
-        <p14:creationId xmlns:p14="http://schemas.microsoft.com/office/powerpoint/2010/main" val="2078138744"/>
+        <p14:creationId xmlns:p14="http://schemas.microsoft.com/office/powerpoint/2010/main" val="4234125275"/>
       </p:ext>
     </p:extLst>
   </p:cSld>
@@ -12266,67 +12302,289 @@
           <a:p>
             <a:r>
               <a:rPr lang="en-US" dirty="0" smtClean="0"/>
-              <a:t>Coding</a:t>
+              <a:t>Data Types in R</a:t>
             </a:r>
             <a:endParaRPr lang="en-US" dirty="0"/>
           </a:p>
         </p:txBody>
       </p:sp>
-      <p:pic>
-        <p:nvPicPr>
-          <p:cNvPr id="4" name="Picture 4"/>
-          <p:cNvPicPr>
-            <a:picLocks noGrp="1" noChangeAspect="1" noChangeArrowheads="1"/>
-          </p:cNvPicPr>
+      <p:sp>
+        <p:nvSpPr>
+          <p:cNvPr id="3" name="Content Placeholder 2"/>
+          <p:cNvSpPr>
+            <a:spLocks noGrp="1"/>
+          </p:cNvSpPr>
           <p:nvPr>
             <p:ph idx="1"/>
           </p:nvPr>
-        </p:nvPicPr>
-        <p:blipFill>
-          <a:blip r:embed="rId3">
-            <a:extLst>
-              <a:ext uri="{28A0092B-C50C-407E-A947-70E740481C1C}">
-                <a14:useLocalDpi xmlns:a14="http://schemas.microsoft.com/office/drawing/2010/main" val="0"/>
-              </a:ext>
-            </a:extLst>
-          </a:blip>
-          <a:srcRect/>
-          <a:stretch>
-            <a:fillRect/>
-          </a:stretch>
-        </p:blipFill>
+        </p:nvSpPr>
+        <p:spPr>
+          <a:xfrm>
+            <a:off x="457200" y="1417637"/>
+            <a:ext cx="8229600" cy="4525963"/>
+          </a:xfrm>
+        </p:spPr>
+        <p:txBody>
+          <a:bodyPr/>
+          <a:lstStyle/>
+          <a:p>
+            <a:pPr marL="457200" lvl="1" indent="-342900">
+              <a:lnSpc>
+                <a:spcPct val="95000"/>
+              </a:lnSpc>
+              <a:spcBef>
+                <a:spcPct val="0"/>
+              </a:spcBef>
+              <a:buClr>
+                <a:srgbClr val="000000"/>
+              </a:buClr>
+              <a:buFontTx/>
+              <a:buChar char="•"/>
+            </a:pPr>
+            <a:r>
+              <a:rPr lang="en-US" sz="2700" dirty="0">
+                <a:solidFill>
+                  <a:srgbClr val="000000"/>
+                </a:solidFill>
+                <a:latin typeface="Arial" pitchFamily="34" charset="0"/>
+              </a:rPr>
+              <a:t>R's atomic data type is the </a:t>
+            </a:r>
+            <a:r>
+              <a:rPr lang="en-US" sz="2700" b="1" dirty="0">
+                <a:solidFill>
+                  <a:srgbClr val="000000"/>
+                </a:solidFill>
+                <a:latin typeface="Arial" pitchFamily="34" charset="0"/>
+              </a:rPr>
+              <a:t>vector</a:t>
+            </a:r>
+          </a:p>
+          <a:p>
+            <a:pPr marL="857250" lvl="2" indent="-285750">
+              <a:lnSpc>
+                <a:spcPct val="95000"/>
+              </a:lnSpc>
+              <a:spcBef>
+                <a:spcPct val="0"/>
+              </a:spcBef>
+              <a:buClr>
+                <a:srgbClr val="000000"/>
+              </a:buClr>
+              <a:buSzPct val="80000"/>
+              <a:buFont typeface="Courier New" pitchFamily="49" charset="0"/>
+              <a:buChar char="o"/>
+            </a:pPr>
+            <a:r>
+              <a:rPr lang="en-US" sz="2700" dirty="0">
+                <a:solidFill>
+                  <a:srgbClr val="000000"/>
+                </a:solidFill>
+                <a:latin typeface="Arial" pitchFamily="34" charset="0"/>
+              </a:rPr>
+              <a:t>numeric</a:t>
+            </a:r>
+          </a:p>
+          <a:p>
+            <a:pPr marL="1257300" lvl="3">
+              <a:lnSpc>
+                <a:spcPct val="95000"/>
+              </a:lnSpc>
+              <a:spcBef>
+                <a:spcPct val="0"/>
+              </a:spcBef>
+              <a:buClr>
+                <a:srgbClr val="000000"/>
+              </a:buClr>
+              <a:buFont typeface="Wingdings" pitchFamily="2" charset="2"/>
+              <a:buChar char="§"/>
+            </a:pPr>
+            <a:r>
+              <a:rPr lang="en-US" sz="2700" dirty="0">
+                <a:solidFill>
+                  <a:srgbClr val="000000"/>
+                </a:solidFill>
+                <a:latin typeface="Arial" pitchFamily="34" charset="0"/>
+              </a:rPr>
+              <a:t>floating point</a:t>
+            </a:r>
+          </a:p>
+          <a:p>
+            <a:pPr marL="1257300" lvl="3">
+              <a:lnSpc>
+                <a:spcPct val="95000"/>
+              </a:lnSpc>
+              <a:spcBef>
+                <a:spcPct val="0"/>
+              </a:spcBef>
+              <a:buClr>
+                <a:srgbClr val="000000"/>
+              </a:buClr>
+              <a:buFont typeface="Wingdings" pitchFamily="2" charset="2"/>
+              <a:buChar char="§"/>
+            </a:pPr>
+            <a:r>
+              <a:rPr lang="en-US" sz="2700" dirty="0">
+                <a:solidFill>
+                  <a:srgbClr val="000000"/>
+                </a:solidFill>
+                <a:latin typeface="Arial" pitchFamily="34" charset="0"/>
+              </a:rPr>
+              <a:t>integer</a:t>
+            </a:r>
+          </a:p>
+          <a:p>
+            <a:pPr marL="857250" lvl="2" indent="-285750">
+              <a:lnSpc>
+                <a:spcPct val="95000"/>
+              </a:lnSpc>
+              <a:spcBef>
+                <a:spcPct val="0"/>
+              </a:spcBef>
+              <a:buClr>
+                <a:srgbClr val="000000"/>
+              </a:buClr>
+              <a:buSzPct val="80000"/>
+              <a:buFont typeface="Courier New" pitchFamily="49" charset="0"/>
+              <a:buChar char="o"/>
+            </a:pPr>
+            <a:r>
+              <a:rPr lang="en-US" sz="2700" dirty="0">
+                <a:solidFill>
+                  <a:srgbClr val="000000"/>
+                </a:solidFill>
+                <a:latin typeface="Arial" pitchFamily="34" charset="0"/>
+              </a:rPr>
+              <a:t>logical</a:t>
+            </a:r>
+          </a:p>
+          <a:p>
+            <a:pPr marL="857250" lvl="2" indent="-285750">
+              <a:lnSpc>
+                <a:spcPct val="95000"/>
+              </a:lnSpc>
+              <a:spcBef>
+                <a:spcPct val="0"/>
+              </a:spcBef>
+              <a:buClr>
+                <a:srgbClr val="000000"/>
+              </a:buClr>
+              <a:buSzPct val="80000"/>
+              <a:buFont typeface="Courier New" pitchFamily="49" charset="0"/>
+              <a:buChar char="o"/>
+            </a:pPr>
+            <a:r>
+              <a:rPr lang="en-US" sz="2700" dirty="0">
+                <a:solidFill>
+                  <a:srgbClr val="000000"/>
+                </a:solidFill>
+                <a:latin typeface="Arial" pitchFamily="34" charset="0"/>
+              </a:rPr>
+              <a:t>character</a:t>
+            </a:r>
+          </a:p>
+          <a:p>
+            <a:pPr marL="457200" lvl="1" indent="-342900">
+              <a:lnSpc>
+                <a:spcPct val="95000"/>
+              </a:lnSpc>
+              <a:spcBef>
+                <a:spcPct val="0"/>
+              </a:spcBef>
+              <a:buClr>
+                <a:srgbClr val="000000"/>
+              </a:buClr>
+              <a:buFontTx/>
+              <a:buChar char="•"/>
+            </a:pPr>
+            <a:r>
+              <a:rPr lang="en-US" sz="2700" b="1" dirty="0">
+                <a:solidFill>
+                  <a:srgbClr val="000000"/>
+                </a:solidFill>
+                <a:latin typeface="Arial" pitchFamily="34" charset="0"/>
+              </a:rPr>
+              <a:t>functions</a:t>
+            </a:r>
+          </a:p>
+          <a:p>
+            <a:pPr marL="457200" lvl="1" indent="-342900">
+              <a:lnSpc>
+                <a:spcPct val="95000"/>
+              </a:lnSpc>
+              <a:spcBef>
+                <a:spcPct val="0"/>
+              </a:spcBef>
+              <a:buClr>
+                <a:srgbClr val="000000"/>
+              </a:buClr>
+              <a:buFontTx/>
+              <a:buChar char="•"/>
+            </a:pPr>
+            <a:r>
+              <a:rPr lang="en-US" sz="2700" b="1" dirty="0">
+                <a:solidFill>
+                  <a:srgbClr val="000000"/>
+                </a:solidFill>
+                <a:latin typeface="Arial" pitchFamily="34" charset="0"/>
+              </a:rPr>
+              <a:t>lists</a:t>
+            </a:r>
+          </a:p>
+          <a:p>
+            <a:pPr marL="857250" lvl="2" indent="-285750">
+              <a:lnSpc>
+                <a:spcPct val="95000"/>
+              </a:lnSpc>
+              <a:spcBef>
+                <a:spcPct val="0"/>
+              </a:spcBef>
+              <a:buClr>
+                <a:srgbClr val="000000"/>
+              </a:buClr>
+              <a:buSzPct val="80000"/>
+              <a:buFont typeface="Courier New" pitchFamily="49" charset="0"/>
+              <a:buChar char="o"/>
+            </a:pPr>
+            <a:r>
+              <a:rPr lang="en-US" sz="2700" dirty="0">
+                <a:solidFill>
+                  <a:srgbClr val="000000"/>
+                </a:solidFill>
+                <a:latin typeface="Arial" pitchFamily="34" charset="0"/>
+              </a:rPr>
+              <a:t>let you combine other data </a:t>
+            </a:r>
+            <a:r>
+              <a:rPr lang="en-US" sz="2700" dirty="0" smtClean="0">
+                <a:solidFill>
+                  <a:srgbClr val="000000"/>
+                </a:solidFill>
+                <a:latin typeface="Arial" pitchFamily="34" charset="0"/>
+              </a:rPr>
+              <a:t>types</a:t>
+            </a:r>
+            <a:endParaRPr lang="en-US" sz="2700" dirty="0">
+              <a:solidFill>
+                <a:srgbClr val="000000"/>
+              </a:solidFill>
+              <a:latin typeface="Arial" pitchFamily="34" charset="0"/>
+            </a:endParaRPr>
+          </a:p>
+        </p:txBody>
+      </p:sp>
+      <p:sp>
+        <p:nvSpPr>
+          <p:cNvPr id="4" name="Text Box 4"/>
+          <p:cNvSpPr txBox="1">
+            <a:spLocks noChangeArrowheads="1"/>
+          </p:cNvSpPr>
+          <p:nvPr/>
+        </p:nvSpPr>
         <p:spPr bwMode="auto">
           <a:xfrm>
-            <a:off x="3090480" y="1600200"/>
-            <a:ext cx="2963040" cy="4525963"/>
-          </a:xfrm>
-          <a:prstGeom prst="rect">
-            <a:avLst/>
-          </a:prstGeom>
-          <a:noFill/>
-          <a:extLst>
-            <a:ext uri="{909E8E84-426E-40DD-AFC4-6F175D3DCCD1}">
-              <a14:hiddenFill xmlns:a14="http://schemas.microsoft.com/office/drawing/2010/main">
-                <a:solidFill>
-                  <a:srgbClr val="FFFFFF"/>
-                </a:solidFill>
-              </a14:hiddenFill>
-            </a:ext>
-          </a:extLst>
-        </p:spPr>
-      </p:pic>
-      <p:sp>
-        <p:nvSpPr>
-          <p:cNvPr id="5" name="Text Box 5"/>
-          <p:cNvSpPr txBox="1">
-            <a:spLocks noChangeArrowheads="1"/>
-          </p:cNvSpPr>
-          <p:nvPr/>
-        </p:nvSpPr>
-        <p:spPr bwMode="auto">
-          <a:xfrm>
-            <a:off x="8116700" y="6667948"/>
-            <a:ext cx="1004888" cy="190052"/>
+            <a:off x="1416050" y="5105400"/>
+            <a:ext cx="4070350" cy="1535036"/>
           </a:xfrm>
           <a:prstGeom prst="rect">
             <a:avLst/>
@@ -12474,18 +12732,311 @@
               </a:lnSpc>
             </a:pPr>
             <a:r>
-              <a:rPr lang="en-US" sz="1300" u="sng" dirty="0" err="1">
-                <a:latin typeface="Arial" pitchFamily="34" charset="0"/>
-                <a:hlinkClick r:id="rId4"/>
-              </a:rPr>
-              <a:t>xkcd</a:t>
-            </a:r>
-            <a:r>
-              <a:rPr lang="en-US" sz="1300" u="sng" dirty="0">
-                <a:latin typeface="Arial" pitchFamily="34" charset="0"/>
-                <a:hlinkClick r:id="rId4"/>
-              </a:rPr>
-              <a:t> #844</a:t>
+              <a:rPr lang="en-US" sz="2100" dirty="0">
+                <a:solidFill>
+                  <a:srgbClr val="FF0000"/>
+                </a:solidFill>
+                <a:latin typeface="Courier New" pitchFamily="49" charset="0"/>
+              </a:rPr>
+              <a:t>&gt; a &lt;- 101</a:t>
+            </a:r>
+          </a:p>
+          <a:p>
+            <a:pPr>
+              <a:lnSpc>
+                <a:spcPct val="95000"/>
+              </a:lnSpc>
+            </a:pPr>
+            <a:r>
+              <a:rPr lang="en-US" sz="2100" dirty="0">
+                <a:solidFill>
+                  <a:srgbClr val="FF0000"/>
+                </a:solidFill>
+                <a:latin typeface="Courier New" pitchFamily="49" charset="0"/>
+              </a:rPr>
+              <a:t>&gt; length(a)</a:t>
+            </a:r>
+          </a:p>
+          <a:p>
+            <a:pPr>
+              <a:lnSpc>
+                <a:spcPct val="95000"/>
+              </a:lnSpc>
+            </a:pPr>
+            <a:r>
+              <a:rPr lang="en-US" sz="2100" dirty="0">
+                <a:solidFill>
+                  <a:srgbClr val="FF0000"/>
+                </a:solidFill>
+                <a:latin typeface="Courier New" pitchFamily="49" charset="0"/>
+              </a:rPr>
+              <a:t>[1] 1</a:t>
+            </a:r>
+          </a:p>
+          <a:p>
+            <a:pPr>
+              <a:lnSpc>
+                <a:spcPct val="95000"/>
+              </a:lnSpc>
+            </a:pPr>
+            <a:r>
+              <a:rPr lang="en-US" sz="2100" dirty="0">
+                <a:solidFill>
+                  <a:srgbClr val="FF0000"/>
+                </a:solidFill>
+                <a:latin typeface="Courier New" pitchFamily="49" charset="0"/>
+              </a:rPr>
+              <a:t>&gt; a[1]</a:t>
+            </a:r>
+          </a:p>
+          <a:p>
+            <a:pPr>
+              <a:lnSpc>
+                <a:spcPct val="95000"/>
+              </a:lnSpc>
+            </a:pPr>
+            <a:r>
+              <a:rPr lang="en-US" sz="2100" dirty="0">
+                <a:solidFill>
+                  <a:srgbClr val="FF0000"/>
+                </a:solidFill>
+                <a:latin typeface="Courier New" pitchFamily="49" charset="0"/>
+              </a:rPr>
+              <a:t>[1] 101</a:t>
+            </a:r>
+          </a:p>
+        </p:txBody>
+      </p:sp>
+      <p:sp>
+        <p:nvSpPr>
+          <p:cNvPr id="5" name="Text Box 5"/>
+          <p:cNvSpPr txBox="1">
+            <a:spLocks noChangeArrowheads="1"/>
+          </p:cNvSpPr>
+          <p:nvPr/>
+        </p:nvSpPr>
+        <p:spPr bwMode="auto">
+          <a:xfrm>
+            <a:off x="4694237" y="5126037"/>
+            <a:ext cx="4068763" cy="1535036"/>
+          </a:xfrm>
+          <a:prstGeom prst="rect">
+            <a:avLst/>
+          </a:prstGeom>
+          <a:noFill/>
+          <a:ln>
+            <a:noFill/>
+          </a:ln>
+          <a:effectLst/>
+          <a:extLst>
+            <a:ext uri="{909E8E84-426E-40DD-AFC4-6F175D3DCCD1}">
+              <a14:hiddenFill xmlns:a14="http://schemas.microsoft.com/office/drawing/2010/main">
+                <a:solidFill>
+                  <a:schemeClr val="accent1"/>
+                </a:solidFill>
+              </a14:hiddenFill>
+            </a:ext>
+            <a:ext uri="{91240B29-F687-4F45-9708-019B960494DF}">
+              <a14:hiddenLine xmlns:a14="http://schemas.microsoft.com/office/drawing/2010/main" w="9525">
+                <a:solidFill>
+                  <a:schemeClr val="tx1"/>
+                </a:solidFill>
+                <a:miter lim="800000"/>
+                <a:headEnd/>
+                <a:tailEnd/>
+              </a14:hiddenLine>
+            </a:ext>
+            <a:ext uri="{AF507438-7753-43E0-B8FC-AC1667EBCBE1}">
+              <a14:hiddenEffects xmlns:a14="http://schemas.microsoft.com/office/drawing/2010/main">
+                <a:effectLst>
+                  <a:outerShdw dist="35921" dir="2700000" algn="ctr" rotWithShape="0">
+                    <a:schemeClr val="bg2"/>
+                  </a:outerShdw>
+                </a:effectLst>
+              </a14:hiddenEffects>
+            </a:ext>
+          </a:extLst>
+        </p:spPr>
+        <p:txBody>
+          <a:bodyPr lIns="0" tIns="0" rIns="0" bIns="0">
+            <a:spAutoFit/>
+          </a:bodyPr>
+          <a:lstStyle>
+            <a:lvl1pPr>
+              <a:defRPr sz="2400">
+                <a:solidFill>
+                  <a:schemeClr val="tx1"/>
+                </a:solidFill>
+                <a:latin typeface="Times New Roman" pitchFamily="18" charset="0"/>
+              </a:defRPr>
+            </a:lvl1pPr>
+            <a:lvl2pPr indent="-342900">
+              <a:defRPr sz="2400">
+                <a:solidFill>
+                  <a:schemeClr val="tx1"/>
+                </a:solidFill>
+                <a:latin typeface="Times New Roman" pitchFamily="18" charset="0"/>
+              </a:defRPr>
+            </a:lvl2pPr>
+            <a:lvl3pPr marL="857250" indent="-285750">
+              <a:defRPr sz="2400">
+                <a:solidFill>
+                  <a:schemeClr val="tx1"/>
+                </a:solidFill>
+                <a:latin typeface="Times New Roman" pitchFamily="18" charset="0"/>
+              </a:defRPr>
+            </a:lvl3pPr>
+            <a:lvl4pPr marL="1257300" indent="-228600">
+              <a:defRPr sz="2400">
+                <a:solidFill>
+                  <a:schemeClr val="tx1"/>
+                </a:solidFill>
+                <a:latin typeface="Times New Roman" pitchFamily="18" charset="0"/>
+              </a:defRPr>
+            </a:lvl4pPr>
+            <a:lvl5pPr marL="1714500" indent="-228600">
+              <a:defRPr sz="2400">
+                <a:solidFill>
+                  <a:schemeClr val="tx1"/>
+                </a:solidFill>
+                <a:latin typeface="Times New Roman" pitchFamily="18" charset="0"/>
+              </a:defRPr>
+            </a:lvl5pPr>
+            <a:lvl6pPr marL="2171700" indent="-228600" fontAlgn="base">
+              <a:spcBef>
+                <a:spcPct val="0"/>
+              </a:spcBef>
+              <a:spcAft>
+                <a:spcPct val="0"/>
+              </a:spcAft>
+              <a:defRPr sz="2400">
+                <a:solidFill>
+                  <a:schemeClr val="tx1"/>
+                </a:solidFill>
+                <a:latin typeface="Times New Roman" pitchFamily="18" charset="0"/>
+              </a:defRPr>
+            </a:lvl6pPr>
+            <a:lvl7pPr marL="2628900" indent="-228600" fontAlgn="base">
+              <a:spcBef>
+                <a:spcPct val="0"/>
+              </a:spcBef>
+              <a:spcAft>
+                <a:spcPct val="0"/>
+              </a:spcAft>
+              <a:defRPr sz="2400">
+                <a:solidFill>
+                  <a:schemeClr val="tx1"/>
+                </a:solidFill>
+                <a:latin typeface="Times New Roman" pitchFamily="18" charset="0"/>
+              </a:defRPr>
+            </a:lvl7pPr>
+            <a:lvl8pPr marL="3086100" indent="-228600" fontAlgn="base">
+              <a:spcBef>
+                <a:spcPct val="0"/>
+              </a:spcBef>
+              <a:spcAft>
+                <a:spcPct val="0"/>
+              </a:spcAft>
+              <a:defRPr sz="2400">
+                <a:solidFill>
+                  <a:schemeClr val="tx1"/>
+                </a:solidFill>
+                <a:latin typeface="Times New Roman" pitchFamily="18" charset="0"/>
+              </a:defRPr>
+            </a:lvl8pPr>
+            <a:lvl9pPr marL="3543300" indent="-228600" fontAlgn="base">
+              <a:spcBef>
+                <a:spcPct val="0"/>
+              </a:spcBef>
+              <a:spcAft>
+                <a:spcPct val="0"/>
+              </a:spcAft>
+              <a:defRPr sz="2400">
+                <a:solidFill>
+                  <a:schemeClr val="tx1"/>
+                </a:solidFill>
+                <a:latin typeface="Times New Roman" pitchFamily="18" charset="0"/>
+              </a:defRPr>
+            </a:lvl9pPr>
+          </a:lstStyle>
+          <a:p>
+            <a:pPr>
+              <a:lnSpc>
+                <a:spcPct val="95000"/>
+              </a:lnSpc>
+            </a:pPr>
+            <a:r>
+              <a:rPr lang="en-US" sz="2100" dirty="0">
+                <a:solidFill>
+                  <a:srgbClr val="FF0000"/>
+                </a:solidFill>
+                <a:latin typeface="Courier New" pitchFamily="49" charset="0"/>
+              </a:rPr>
+              <a:t>&gt; a[2]</a:t>
+            </a:r>
+          </a:p>
+          <a:p>
+            <a:pPr>
+              <a:lnSpc>
+                <a:spcPct val="95000"/>
+              </a:lnSpc>
+            </a:pPr>
+            <a:r>
+              <a:rPr lang="en-US" sz="2100" dirty="0">
+                <a:solidFill>
+                  <a:srgbClr val="FF0000"/>
+                </a:solidFill>
+                <a:latin typeface="Courier New" pitchFamily="49" charset="0"/>
+              </a:rPr>
+              <a:t>[1] NA</a:t>
+            </a:r>
+          </a:p>
+          <a:p>
+            <a:pPr>
+              <a:lnSpc>
+                <a:spcPct val="95000"/>
+              </a:lnSpc>
+            </a:pPr>
+            <a:r>
+              <a:rPr lang="en-US" sz="2100" dirty="0">
+                <a:solidFill>
+                  <a:srgbClr val="FF0000"/>
+                </a:solidFill>
+                <a:latin typeface="Courier New" pitchFamily="49" charset="0"/>
+              </a:rPr>
+              <a:t>&gt; a[2] &lt;- 202</a:t>
+            </a:r>
+          </a:p>
+          <a:p>
+            <a:pPr>
+              <a:lnSpc>
+                <a:spcPct val="95000"/>
+              </a:lnSpc>
+            </a:pPr>
+            <a:r>
+              <a:rPr lang="en-US" sz="2100" dirty="0">
+                <a:solidFill>
+                  <a:srgbClr val="FF0000"/>
+                </a:solidFill>
+                <a:latin typeface="Courier New" pitchFamily="49" charset="0"/>
+              </a:rPr>
+              <a:t>&gt; length(a)</a:t>
+            </a:r>
+          </a:p>
+          <a:p>
+            <a:pPr>
+              <a:lnSpc>
+                <a:spcPct val="95000"/>
+              </a:lnSpc>
+            </a:pPr>
+            <a:r>
+              <a:rPr lang="en-US" sz="2100" dirty="0">
+                <a:solidFill>
+                  <a:srgbClr val="FF0000"/>
+                </a:solidFill>
+                <a:latin typeface="Courier New" pitchFamily="49" charset="0"/>
+              </a:rPr>
+              <a:t>[1] 2</a:t>
             </a:r>
           </a:p>
         </p:txBody>
@@ -12493,7 +13044,7 @@
     </p:spTree>
     <p:extLst>
       <p:ext uri="{BB962C8B-B14F-4D97-AF65-F5344CB8AC3E}">
-        <p14:creationId xmlns:p14="http://schemas.microsoft.com/office/powerpoint/2010/main" val="1964834495"/>
+        <p14:creationId xmlns:p14="http://schemas.microsoft.com/office/powerpoint/2010/main" val="3099964010"/>
       </p:ext>
     </p:extLst>
   </p:cSld>
@@ -12544,248 +13095,234 @@
           <a:p>
             <a:r>
               <a:rPr lang="en-US" dirty="0" smtClean="0"/>
-              <a:t>Creating Variables</a:t>
+              <a:t>Coding</a:t>
             </a:r>
             <a:endParaRPr lang="en-US" dirty="0"/>
           </a:p>
         </p:txBody>
       </p:sp>
-      <p:sp>
-        <p:nvSpPr>
-          <p:cNvPr id="3" name="Content Placeholder 2"/>
-          <p:cNvSpPr>
-            <a:spLocks noGrp="1"/>
-          </p:cNvSpPr>
+      <p:pic>
+        <p:nvPicPr>
+          <p:cNvPr id="4" name="Picture 4"/>
+          <p:cNvPicPr>
+            <a:picLocks noGrp="1" noChangeAspect="1" noChangeArrowheads="1"/>
+          </p:cNvPicPr>
           <p:nvPr>
             <p:ph idx="1"/>
           </p:nvPr>
-        </p:nvSpPr>
-        <p:spPr/>
-        <p:txBody>
-          <a:bodyPr>
-            <a:normAutofit/>
+        </p:nvPicPr>
+        <p:blipFill>
+          <a:blip r:embed="rId3">
+            <a:extLst>
+              <a:ext uri="{28A0092B-C50C-407E-A947-70E740481C1C}">
+                <a14:useLocalDpi xmlns:a14="http://schemas.microsoft.com/office/drawing/2010/main" val="0"/>
+              </a:ext>
+            </a:extLst>
+          </a:blip>
+          <a:srcRect/>
+          <a:stretch>
+            <a:fillRect/>
+          </a:stretch>
+        </p:blipFill>
+        <p:spPr bwMode="auto">
+          <a:xfrm>
+            <a:off x="3090480" y="1600200"/>
+            <a:ext cx="2963040" cy="4525963"/>
+          </a:xfrm>
+          <a:prstGeom prst="rect">
+            <a:avLst/>
+          </a:prstGeom>
+          <a:noFill/>
+          <a:extLst>
+            <a:ext uri="{909E8E84-426E-40DD-AFC4-6F175D3DCCD1}">
+              <a14:hiddenFill xmlns:a14="http://schemas.microsoft.com/office/drawing/2010/main">
+                <a:solidFill>
+                  <a:srgbClr val="FFFFFF"/>
+                </a:solidFill>
+              </a14:hiddenFill>
+            </a:ext>
+          </a:extLst>
+        </p:spPr>
+      </p:pic>
+      <p:sp>
+        <p:nvSpPr>
+          <p:cNvPr id="5" name="Text Box 5"/>
+          <p:cNvSpPr txBox="1">
+            <a:spLocks noChangeArrowheads="1"/>
+          </p:cNvSpPr>
+          <p:nvPr/>
+        </p:nvSpPr>
+        <p:spPr bwMode="auto">
+          <a:xfrm>
+            <a:off x="8116700" y="6667948"/>
+            <a:ext cx="1004888" cy="190052"/>
+          </a:xfrm>
+          <a:prstGeom prst="rect">
+            <a:avLst/>
+          </a:prstGeom>
+          <a:noFill/>
+          <a:ln>
+            <a:noFill/>
+          </a:ln>
+          <a:effectLst/>
+          <a:extLst>
+            <a:ext uri="{909E8E84-426E-40DD-AFC4-6F175D3DCCD1}">
+              <a14:hiddenFill xmlns:a14="http://schemas.microsoft.com/office/drawing/2010/main">
+                <a:solidFill>
+                  <a:schemeClr val="accent1"/>
+                </a:solidFill>
+              </a14:hiddenFill>
+            </a:ext>
+            <a:ext uri="{91240B29-F687-4F45-9708-019B960494DF}">
+              <a14:hiddenLine xmlns:a14="http://schemas.microsoft.com/office/drawing/2010/main" w="9525">
+                <a:solidFill>
+                  <a:schemeClr val="tx1"/>
+                </a:solidFill>
+                <a:miter lim="800000"/>
+                <a:headEnd/>
+                <a:tailEnd/>
+              </a14:hiddenLine>
+            </a:ext>
+            <a:ext uri="{AF507438-7753-43E0-B8FC-AC1667EBCBE1}">
+              <a14:hiddenEffects xmlns:a14="http://schemas.microsoft.com/office/drawing/2010/main">
+                <a:effectLst>
+                  <a:outerShdw dist="35921" dir="2700000" algn="ctr" rotWithShape="0">
+                    <a:schemeClr val="bg2"/>
+                  </a:outerShdw>
+                </a:effectLst>
+              </a14:hiddenEffects>
+            </a:ext>
+          </a:extLst>
+        </p:spPr>
+        <p:txBody>
+          <a:bodyPr lIns="0" tIns="0" rIns="0" bIns="0">
+            <a:spAutoFit/>
           </a:bodyPr>
-          <a:lstStyle/>
-          <a:p>
-            <a:pPr marL="457200" lvl="1" indent="-342900">
+          <a:lstStyle>
+            <a:lvl1pPr>
+              <a:defRPr sz="2400">
+                <a:solidFill>
+                  <a:schemeClr val="tx1"/>
+                </a:solidFill>
+                <a:latin typeface="Times New Roman" pitchFamily="18" charset="0"/>
+              </a:defRPr>
+            </a:lvl1pPr>
+            <a:lvl2pPr indent="-342900">
+              <a:defRPr sz="2400">
+                <a:solidFill>
+                  <a:schemeClr val="tx1"/>
+                </a:solidFill>
+                <a:latin typeface="Times New Roman" pitchFamily="18" charset="0"/>
+              </a:defRPr>
+            </a:lvl2pPr>
+            <a:lvl3pPr marL="857250" indent="-285750">
+              <a:defRPr sz="2400">
+                <a:solidFill>
+                  <a:schemeClr val="tx1"/>
+                </a:solidFill>
+                <a:latin typeface="Times New Roman" pitchFamily="18" charset="0"/>
+              </a:defRPr>
+            </a:lvl3pPr>
+            <a:lvl4pPr marL="1257300" indent="-228600">
+              <a:defRPr sz="2400">
+                <a:solidFill>
+                  <a:schemeClr val="tx1"/>
+                </a:solidFill>
+                <a:latin typeface="Times New Roman" pitchFamily="18" charset="0"/>
+              </a:defRPr>
+            </a:lvl4pPr>
+            <a:lvl5pPr marL="1714500" indent="-228600">
+              <a:defRPr sz="2400">
+                <a:solidFill>
+                  <a:schemeClr val="tx1"/>
+                </a:solidFill>
+                <a:latin typeface="Times New Roman" pitchFamily="18" charset="0"/>
+              </a:defRPr>
+            </a:lvl5pPr>
+            <a:lvl6pPr marL="2171700" indent="-228600" fontAlgn="base">
+              <a:spcBef>
+                <a:spcPct val="0"/>
+              </a:spcBef>
+              <a:spcAft>
+                <a:spcPct val="0"/>
+              </a:spcAft>
+              <a:defRPr sz="2400">
+                <a:solidFill>
+                  <a:schemeClr val="tx1"/>
+                </a:solidFill>
+                <a:latin typeface="Times New Roman" pitchFamily="18" charset="0"/>
+              </a:defRPr>
+            </a:lvl6pPr>
+            <a:lvl7pPr marL="2628900" indent="-228600" fontAlgn="base">
+              <a:spcBef>
+                <a:spcPct val="0"/>
+              </a:spcBef>
+              <a:spcAft>
+                <a:spcPct val="0"/>
+              </a:spcAft>
+              <a:defRPr sz="2400">
+                <a:solidFill>
+                  <a:schemeClr val="tx1"/>
+                </a:solidFill>
+                <a:latin typeface="Times New Roman" pitchFamily="18" charset="0"/>
+              </a:defRPr>
+            </a:lvl7pPr>
+            <a:lvl8pPr marL="3086100" indent="-228600" fontAlgn="base">
+              <a:spcBef>
+                <a:spcPct val="0"/>
+              </a:spcBef>
+              <a:spcAft>
+                <a:spcPct val="0"/>
+              </a:spcAft>
+              <a:defRPr sz="2400">
+                <a:solidFill>
+                  <a:schemeClr val="tx1"/>
+                </a:solidFill>
+                <a:latin typeface="Times New Roman" pitchFamily="18" charset="0"/>
+              </a:defRPr>
+            </a:lvl8pPr>
+            <a:lvl9pPr marL="3543300" indent="-228600" fontAlgn="base">
+              <a:spcBef>
+                <a:spcPct val="0"/>
+              </a:spcBef>
+              <a:spcAft>
+                <a:spcPct val="0"/>
+              </a:spcAft>
+              <a:defRPr sz="2400">
+                <a:solidFill>
+                  <a:schemeClr val="tx1"/>
+                </a:solidFill>
+                <a:latin typeface="Times New Roman" pitchFamily="18" charset="0"/>
+              </a:defRPr>
+            </a:lvl9pPr>
+          </a:lstStyle>
+          <a:p>
+            <a:pPr>
               <a:lnSpc>
                 <a:spcPct val="95000"/>
               </a:lnSpc>
-              <a:spcBef>
-                <a:spcPct val="0"/>
-              </a:spcBef>
-              <a:buClr>
-                <a:srgbClr val="000000"/>
-              </a:buClr>
-              <a:buFontTx/>
-              <a:buChar char="•"/>
             </a:pPr>
             <a:r>
-              <a:rPr lang="en-US" dirty="0">
-                <a:solidFill>
-                  <a:srgbClr val="000000"/>
-                </a:solidFill>
+              <a:rPr lang="en-US" sz="1300" u="sng" dirty="0" err="1">
                 <a:latin typeface="Arial" pitchFamily="34" charset="0"/>
-              </a:rPr>
-              <a:t>Named containers for data</a:t>
-            </a:r>
-          </a:p>
-          <a:p>
-            <a:pPr marL="0" indent="0">
-              <a:lnSpc>
-                <a:spcPct val="95000"/>
-              </a:lnSpc>
-              <a:spcBef>
-                <a:spcPct val="0"/>
-              </a:spcBef>
-              <a:buFontTx/>
-              <a:buNone/>
-            </a:pPr>
-            <a:endParaRPr lang="en-US" sz="2800" dirty="0">
-              <a:solidFill>
-                <a:srgbClr val="000000"/>
-              </a:solidFill>
-              <a:latin typeface="Arial" pitchFamily="34" charset="0"/>
-            </a:endParaRPr>
-          </a:p>
-          <a:p>
-            <a:pPr marL="457200" lvl="1" indent="-342900">
-              <a:lnSpc>
-                <a:spcPct val="95000"/>
-              </a:lnSpc>
-              <a:spcBef>
-                <a:spcPct val="0"/>
-              </a:spcBef>
-              <a:buClr>
-                <a:srgbClr val="000000"/>
-              </a:buClr>
-              <a:buFontTx/>
-              <a:buChar char="•"/>
-            </a:pPr>
-            <a:r>
-              <a:rPr lang="en-US" dirty="0">
-                <a:solidFill>
-                  <a:srgbClr val="000000"/>
-                </a:solidFill>
+                <a:hlinkClick r:id="rId4"/>
+              </a:rPr>
+              <a:t>xkcd</a:t>
+            </a:r>
+            <a:r>
+              <a:rPr lang="en-US" sz="1300" u="sng" dirty="0">
                 <a:latin typeface="Arial" pitchFamily="34" charset="0"/>
-              </a:rPr>
-              <a:t>Names can be anything you like except for 'special' words</a:t>
-            </a:r>
-          </a:p>
-          <a:p>
-            <a:pPr marL="0" indent="0">
-              <a:lnSpc>
-                <a:spcPct val="95000"/>
-              </a:lnSpc>
-              <a:spcBef>
-                <a:spcPct val="0"/>
-              </a:spcBef>
-              <a:buFontTx/>
-              <a:buNone/>
-            </a:pPr>
-            <a:endParaRPr lang="en-US" sz="2800" dirty="0">
-              <a:solidFill>
-                <a:srgbClr val="000000"/>
-              </a:solidFill>
-              <a:latin typeface="Arial" pitchFamily="34" charset="0"/>
-            </a:endParaRPr>
-          </a:p>
-          <a:p>
-            <a:pPr marL="457200" lvl="1" indent="-342900">
-              <a:lnSpc>
-                <a:spcPct val="95000"/>
-              </a:lnSpc>
-              <a:spcBef>
-                <a:spcPct val="0"/>
-              </a:spcBef>
-              <a:buClr>
-                <a:srgbClr val="000000"/>
-              </a:buClr>
-              <a:buFontTx/>
-              <a:buChar char="•"/>
-            </a:pPr>
-            <a:r>
-              <a:rPr lang="en-US" dirty="0">
-                <a:solidFill>
-                  <a:srgbClr val="000000"/>
-                </a:solidFill>
-                <a:latin typeface="Arial" pitchFamily="34" charset="0"/>
-              </a:rPr>
-              <a:t>Better if names describe what the stored data </a:t>
-            </a:r>
-            <a:r>
-              <a:rPr lang="en-US" dirty="0" smtClean="0">
-                <a:solidFill>
-                  <a:srgbClr val="000000"/>
-                </a:solidFill>
-                <a:latin typeface="Arial" pitchFamily="34" charset="0"/>
-              </a:rPr>
-              <a:t>is Creating </a:t>
-            </a:r>
-            <a:r>
-              <a:rPr lang="en-US" dirty="0">
-                <a:solidFill>
-                  <a:srgbClr val="000000"/>
-                </a:solidFill>
-                <a:latin typeface="Arial" pitchFamily="34" charset="0"/>
-              </a:rPr>
-              <a:t>/ Setting variables is a matter of </a:t>
-            </a:r>
-            <a:r>
-              <a:rPr lang="en-US" dirty="0" smtClean="0">
-                <a:solidFill>
-                  <a:srgbClr val="000000"/>
-                </a:solidFill>
-                <a:latin typeface="Arial" pitchFamily="34" charset="0"/>
-              </a:rPr>
-              <a:t>equality:</a:t>
-            </a:r>
-          </a:p>
-          <a:p>
-            <a:pPr marL="514350" lvl="2" indent="0">
-              <a:lnSpc>
-                <a:spcPct val="95000"/>
-              </a:lnSpc>
-              <a:spcBef>
-                <a:spcPct val="0"/>
-              </a:spcBef>
-              <a:buClr>
-                <a:srgbClr val="000000"/>
-              </a:buClr>
-              <a:buNone/>
-            </a:pPr>
-            <a:endParaRPr lang="en-US" sz="2800" dirty="0">
-              <a:solidFill>
-                <a:srgbClr val="000000"/>
-              </a:solidFill>
-              <a:latin typeface="Arial" pitchFamily="34" charset="0"/>
-            </a:endParaRPr>
-          </a:p>
-          <a:p>
-            <a:pPr marL="514350" lvl="2" indent="0">
-              <a:lnSpc>
-                <a:spcPct val="95000"/>
-              </a:lnSpc>
-              <a:spcBef>
-                <a:spcPct val="0"/>
-              </a:spcBef>
-              <a:buClr>
-                <a:srgbClr val="000000"/>
-              </a:buClr>
-              <a:buNone/>
-            </a:pPr>
-            <a:r>
-              <a:rPr lang="en-US" sz="2800" dirty="0" err="1" smtClean="0">
-                <a:solidFill>
-                  <a:srgbClr val="FF0000"/>
-                </a:solidFill>
-                <a:latin typeface="Courier New" pitchFamily="49" charset="0"/>
-              </a:rPr>
-              <a:t>var</a:t>
-            </a:r>
-            <a:r>
-              <a:rPr lang="en-US" sz="2800" dirty="0" smtClean="0">
-                <a:solidFill>
-                  <a:srgbClr val="FF0000"/>
-                </a:solidFill>
-                <a:latin typeface="Courier New" pitchFamily="49" charset="0"/>
-              </a:rPr>
-              <a:t> </a:t>
-            </a:r>
-            <a:r>
-              <a:rPr lang="en-US" sz="2800" dirty="0">
-                <a:solidFill>
-                  <a:srgbClr val="FF0000"/>
-                </a:solidFill>
-                <a:latin typeface="Courier New" pitchFamily="49" charset="0"/>
-              </a:rPr>
-              <a:t>= </a:t>
-            </a:r>
-            <a:r>
-              <a:rPr lang="en-US" sz="2800" dirty="0" err="1" smtClean="0">
-                <a:solidFill>
-                  <a:srgbClr val="FF0000"/>
-                </a:solidFill>
-                <a:latin typeface="Courier New" pitchFamily="49" charset="0"/>
-              </a:rPr>
-              <a:t>somedata</a:t>
-            </a:r>
-            <a:endParaRPr lang="en-US" sz="2800" dirty="0">
-              <a:solidFill>
-                <a:srgbClr val="000000"/>
-              </a:solidFill>
-              <a:latin typeface="Arial" pitchFamily="34" charset="0"/>
-            </a:endParaRPr>
-          </a:p>
-          <a:p>
-            <a:endParaRPr lang="en-US" dirty="0"/>
+                <a:hlinkClick r:id="rId4"/>
+              </a:rPr>
+              <a:t> #844</a:t>
+            </a:r>
           </a:p>
         </p:txBody>
       </p:sp>
     </p:spTree>
     <p:extLst>
       <p:ext uri="{BB962C8B-B14F-4D97-AF65-F5344CB8AC3E}">
-        <p14:creationId xmlns:p14="http://schemas.microsoft.com/office/powerpoint/2010/main" val="4234125275"/>
+        <p14:creationId xmlns:p14="http://schemas.microsoft.com/office/powerpoint/2010/main" val="1964834495"/>
       </p:ext>
     </p:extLst>
   </p:cSld>
@@ -12803,799 +13340,6 @@
 </file>
 
 <file path=ppt/slides/slide28.xml><?xml version="1.0" encoding="utf-8"?>
-<p:sld xmlns:a="http://schemas.openxmlformats.org/drawingml/2006/main" xmlns:r="http://schemas.openxmlformats.org/officeDocument/2006/relationships" xmlns:p="http://schemas.openxmlformats.org/presentationml/2006/main">
-  <p:cSld>
-    <p:spTree>
-      <p:nvGrpSpPr>
-        <p:cNvPr id="1" name=""/>
-        <p:cNvGrpSpPr/>
-        <p:nvPr/>
-      </p:nvGrpSpPr>
-      <p:grpSpPr>
-        <a:xfrm>
-          <a:off x="0" y="0"/>
-          <a:ext cx="0" cy="0"/>
-          <a:chOff x="0" y="0"/>
-          <a:chExt cx="0" cy="0"/>
-        </a:xfrm>
-      </p:grpSpPr>
-      <p:sp>
-        <p:nvSpPr>
-          <p:cNvPr id="2" name="Title 1"/>
-          <p:cNvSpPr>
-            <a:spLocks noGrp="1"/>
-          </p:cNvSpPr>
-          <p:nvPr>
-            <p:ph type="title"/>
-          </p:nvPr>
-        </p:nvSpPr>
-        <p:spPr/>
-        <p:txBody>
-          <a:bodyPr/>
-          <a:lstStyle/>
-          <a:p>
-            <a:r>
-              <a:rPr lang="en-US" dirty="0" smtClean="0"/>
-              <a:t>Data Types in R</a:t>
-            </a:r>
-            <a:endParaRPr lang="en-US" dirty="0"/>
-          </a:p>
-        </p:txBody>
-      </p:sp>
-      <p:sp>
-        <p:nvSpPr>
-          <p:cNvPr id="3" name="Content Placeholder 2"/>
-          <p:cNvSpPr>
-            <a:spLocks noGrp="1"/>
-          </p:cNvSpPr>
-          <p:nvPr>
-            <p:ph idx="1"/>
-          </p:nvPr>
-        </p:nvSpPr>
-        <p:spPr>
-          <a:xfrm>
-            <a:off x="457200" y="1417637"/>
-            <a:ext cx="8229600" cy="4525963"/>
-          </a:xfrm>
-        </p:spPr>
-        <p:txBody>
-          <a:bodyPr/>
-          <a:lstStyle/>
-          <a:p>
-            <a:pPr marL="457200" lvl="1" indent="-342900">
-              <a:lnSpc>
-                <a:spcPct val="95000"/>
-              </a:lnSpc>
-              <a:spcBef>
-                <a:spcPct val="0"/>
-              </a:spcBef>
-              <a:buClr>
-                <a:srgbClr val="000000"/>
-              </a:buClr>
-              <a:buFontTx/>
-              <a:buChar char="•"/>
-            </a:pPr>
-            <a:r>
-              <a:rPr lang="en-US" sz="2700" dirty="0">
-                <a:solidFill>
-                  <a:srgbClr val="000000"/>
-                </a:solidFill>
-                <a:latin typeface="Arial" pitchFamily="34" charset="0"/>
-              </a:rPr>
-              <a:t>R's atomic data type is the </a:t>
-            </a:r>
-            <a:r>
-              <a:rPr lang="en-US" sz="2700" b="1" dirty="0">
-                <a:solidFill>
-                  <a:srgbClr val="000000"/>
-                </a:solidFill>
-                <a:latin typeface="Arial" pitchFamily="34" charset="0"/>
-              </a:rPr>
-              <a:t>vector</a:t>
-            </a:r>
-          </a:p>
-          <a:p>
-            <a:pPr marL="857250" lvl="2" indent="-285750">
-              <a:lnSpc>
-                <a:spcPct val="95000"/>
-              </a:lnSpc>
-              <a:spcBef>
-                <a:spcPct val="0"/>
-              </a:spcBef>
-              <a:buClr>
-                <a:srgbClr val="000000"/>
-              </a:buClr>
-              <a:buSzPct val="80000"/>
-              <a:buFont typeface="Courier New" pitchFamily="49" charset="0"/>
-              <a:buChar char="o"/>
-            </a:pPr>
-            <a:r>
-              <a:rPr lang="en-US" sz="2700" dirty="0">
-                <a:solidFill>
-                  <a:srgbClr val="000000"/>
-                </a:solidFill>
-                <a:latin typeface="Arial" pitchFamily="34" charset="0"/>
-              </a:rPr>
-              <a:t>numeric</a:t>
-            </a:r>
-          </a:p>
-          <a:p>
-            <a:pPr marL="1257300" lvl="3">
-              <a:lnSpc>
-                <a:spcPct val="95000"/>
-              </a:lnSpc>
-              <a:spcBef>
-                <a:spcPct val="0"/>
-              </a:spcBef>
-              <a:buClr>
-                <a:srgbClr val="000000"/>
-              </a:buClr>
-              <a:buFont typeface="Wingdings" pitchFamily="2" charset="2"/>
-              <a:buChar char="§"/>
-            </a:pPr>
-            <a:r>
-              <a:rPr lang="en-US" sz="2700" dirty="0">
-                <a:solidFill>
-                  <a:srgbClr val="000000"/>
-                </a:solidFill>
-                <a:latin typeface="Arial" pitchFamily="34" charset="0"/>
-              </a:rPr>
-              <a:t>floating point</a:t>
-            </a:r>
-          </a:p>
-          <a:p>
-            <a:pPr marL="1257300" lvl="3">
-              <a:lnSpc>
-                <a:spcPct val="95000"/>
-              </a:lnSpc>
-              <a:spcBef>
-                <a:spcPct val="0"/>
-              </a:spcBef>
-              <a:buClr>
-                <a:srgbClr val="000000"/>
-              </a:buClr>
-              <a:buFont typeface="Wingdings" pitchFamily="2" charset="2"/>
-              <a:buChar char="§"/>
-            </a:pPr>
-            <a:r>
-              <a:rPr lang="en-US" sz="2700" dirty="0">
-                <a:solidFill>
-                  <a:srgbClr val="000000"/>
-                </a:solidFill>
-                <a:latin typeface="Arial" pitchFamily="34" charset="0"/>
-              </a:rPr>
-              <a:t>integer</a:t>
-            </a:r>
-          </a:p>
-          <a:p>
-            <a:pPr marL="857250" lvl="2" indent="-285750">
-              <a:lnSpc>
-                <a:spcPct val="95000"/>
-              </a:lnSpc>
-              <a:spcBef>
-                <a:spcPct val="0"/>
-              </a:spcBef>
-              <a:buClr>
-                <a:srgbClr val="000000"/>
-              </a:buClr>
-              <a:buSzPct val="80000"/>
-              <a:buFont typeface="Courier New" pitchFamily="49" charset="0"/>
-              <a:buChar char="o"/>
-            </a:pPr>
-            <a:r>
-              <a:rPr lang="en-US" sz="2700" dirty="0">
-                <a:solidFill>
-                  <a:srgbClr val="000000"/>
-                </a:solidFill>
-                <a:latin typeface="Arial" pitchFamily="34" charset="0"/>
-              </a:rPr>
-              <a:t>logical</a:t>
-            </a:r>
-          </a:p>
-          <a:p>
-            <a:pPr marL="857250" lvl="2" indent="-285750">
-              <a:lnSpc>
-                <a:spcPct val="95000"/>
-              </a:lnSpc>
-              <a:spcBef>
-                <a:spcPct val="0"/>
-              </a:spcBef>
-              <a:buClr>
-                <a:srgbClr val="000000"/>
-              </a:buClr>
-              <a:buSzPct val="80000"/>
-              <a:buFont typeface="Courier New" pitchFamily="49" charset="0"/>
-              <a:buChar char="o"/>
-            </a:pPr>
-            <a:r>
-              <a:rPr lang="en-US" sz="2700" dirty="0">
-                <a:solidFill>
-                  <a:srgbClr val="000000"/>
-                </a:solidFill>
-                <a:latin typeface="Arial" pitchFamily="34" charset="0"/>
-              </a:rPr>
-              <a:t>character</a:t>
-            </a:r>
-          </a:p>
-          <a:p>
-            <a:pPr marL="457200" lvl="1" indent="-342900">
-              <a:lnSpc>
-                <a:spcPct val="95000"/>
-              </a:lnSpc>
-              <a:spcBef>
-                <a:spcPct val="0"/>
-              </a:spcBef>
-              <a:buClr>
-                <a:srgbClr val="000000"/>
-              </a:buClr>
-              <a:buFontTx/>
-              <a:buChar char="•"/>
-            </a:pPr>
-            <a:r>
-              <a:rPr lang="en-US" sz="2700" b="1" dirty="0">
-                <a:solidFill>
-                  <a:srgbClr val="000000"/>
-                </a:solidFill>
-                <a:latin typeface="Arial" pitchFamily="34" charset="0"/>
-              </a:rPr>
-              <a:t>functions</a:t>
-            </a:r>
-          </a:p>
-          <a:p>
-            <a:pPr marL="457200" lvl="1" indent="-342900">
-              <a:lnSpc>
-                <a:spcPct val="95000"/>
-              </a:lnSpc>
-              <a:spcBef>
-                <a:spcPct val="0"/>
-              </a:spcBef>
-              <a:buClr>
-                <a:srgbClr val="000000"/>
-              </a:buClr>
-              <a:buFontTx/>
-              <a:buChar char="•"/>
-            </a:pPr>
-            <a:r>
-              <a:rPr lang="en-US" sz="2700" b="1" dirty="0">
-                <a:solidFill>
-                  <a:srgbClr val="000000"/>
-                </a:solidFill>
-                <a:latin typeface="Arial" pitchFamily="34" charset="0"/>
-              </a:rPr>
-              <a:t>lists</a:t>
-            </a:r>
-          </a:p>
-          <a:p>
-            <a:pPr marL="857250" lvl="2" indent="-285750">
-              <a:lnSpc>
-                <a:spcPct val="95000"/>
-              </a:lnSpc>
-              <a:spcBef>
-                <a:spcPct val="0"/>
-              </a:spcBef>
-              <a:buClr>
-                <a:srgbClr val="000000"/>
-              </a:buClr>
-              <a:buSzPct val="80000"/>
-              <a:buFont typeface="Courier New" pitchFamily="49" charset="0"/>
-              <a:buChar char="o"/>
-            </a:pPr>
-            <a:r>
-              <a:rPr lang="en-US" sz="2700" dirty="0">
-                <a:solidFill>
-                  <a:srgbClr val="000000"/>
-                </a:solidFill>
-                <a:latin typeface="Arial" pitchFamily="34" charset="0"/>
-              </a:rPr>
-              <a:t>let you combine other data </a:t>
-            </a:r>
-            <a:r>
-              <a:rPr lang="en-US" sz="2700" dirty="0" smtClean="0">
-                <a:solidFill>
-                  <a:srgbClr val="000000"/>
-                </a:solidFill>
-                <a:latin typeface="Arial" pitchFamily="34" charset="0"/>
-              </a:rPr>
-              <a:t>types</a:t>
-            </a:r>
-            <a:endParaRPr lang="en-US" sz="2700" dirty="0">
-              <a:solidFill>
-                <a:srgbClr val="000000"/>
-              </a:solidFill>
-              <a:latin typeface="Arial" pitchFamily="34" charset="0"/>
-            </a:endParaRPr>
-          </a:p>
-        </p:txBody>
-      </p:sp>
-      <p:sp>
-        <p:nvSpPr>
-          <p:cNvPr id="4" name="Text Box 4"/>
-          <p:cNvSpPr txBox="1">
-            <a:spLocks noChangeArrowheads="1"/>
-          </p:cNvSpPr>
-          <p:nvPr/>
-        </p:nvSpPr>
-        <p:spPr bwMode="auto">
-          <a:xfrm>
-            <a:off x="1416050" y="5105400"/>
-            <a:ext cx="4070350" cy="1535036"/>
-          </a:xfrm>
-          <a:prstGeom prst="rect">
-            <a:avLst/>
-          </a:prstGeom>
-          <a:noFill/>
-          <a:ln>
-            <a:noFill/>
-          </a:ln>
-          <a:effectLst/>
-          <a:extLst>
-            <a:ext uri="{909E8E84-426E-40DD-AFC4-6F175D3DCCD1}">
-              <a14:hiddenFill xmlns:a14="http://schemas.microsoft.com/office/drawing/2010/main">
-                <a:solidFill>
-                  <a:schemeClr val="accent1"/>
-                </a:solidFill>
-              </a14:hiddenFill>
-            </a:ext>
-            <a:ext uri="{91240B29-F687-4F45-9708-019B960494DF}">
-              <a14:hiddenLine xmlns:a14="http://schemas.microsoft.com/office/drawing/2010/main" w="9525">
-                <a:solidFill>
-                  <a:schemeClr val="tx1"/>
-                </a:solidFill>
-                <a:miter lim="800000"/>
-                <a:headEnd/>
-                <a:tailEnd/>
-              </a14:hiddenLine>
-            </a:ext>
-            <a:ext uri="{AF507438-7753-43E0-B8FC-AC1667EBCBE1}">
-              <a14:hiddenEffects xmlns:a14="http://schemas.microsoft.com/office/drawing/2010/main">
-                <a:effectLst>
-                  <a:outerShdw dist="35921" dir="2700000" algn="ctr" rotWithShape="0">
-                    <a:schemeClr val="bg2"/>
-                  </a:outerShdw>
-                </a:effectLst>
-              </a14:hiddenEffects>
-            </a:ext>
-          </a:extLst>
-        </p:spPr>
-        <p:txBody>
-          <a:bodyPr lIns="0" tIns="0" rIns="0" bIns="0">
-            <a:spAutoFit/>
-          </a:bodyPr>
-          <a:lstStyle>
-            <a:lvl1pPr>
-              <a:defRPr sz="2400">
-                <a:solidFill>
-                  <a:schemeClr val="tx1"/>
-                </a:solidFill>
-                <a:latin typeface="Times New Roman" pitchFamily="18" charset="0"/>
-              </a:defRPr>
-            </a:lvl1pPr>
-            <a:lvl2pPr indent="-342900">
-              <a:defRPr sz="2400">
-                <a:solidFill>
-                  <a:schemeClr val="tx1"/>
-                </a:solidFill>
-                <a:latin typeface="Times New Roman" pitchFamily="18" charset="0"/>
-              </a:defRPr>
-            </a:lvl2pPr>
-            <a:lvl3pPr marL="857250" indent="-285750">
-              <a:defRPr sz="2400">
-                <a:solidFill>
-                  <a:schemeClr val="tx1"/>
-                </a:solidFill>
-                <a:latin typeface="Times New Roman" pitchFamily="18" charset="0"/>
-              </a:defRPr>
-            </a:lvl3pPr>
-            <a:lvl4pPr marL="1257300" indent="-228600">
-              <a:defRPr sz="2400">
-                <a:solidFill>
-                  <a:schemeClr val="tx1"/>
-                </a:solidFill>
-                <a:latin typeface="Times New Roman" pitchFamily="18" charset="0"/>
-              </a:defRPr>
-            </a:lvl4pPr>
-            <a:lvl5pPr marL="1714500" indent="-228600">
-              <a:defRPr sz="2400">
-                <a:solidFill>
-                  <a:schemeClr val="tx1"/>
-                </a:solidFill>
-                <a:latin typeface="Times New Roman" pitchFamily="18" charset="0"/>
-              </a:defRPr>
-            </a:lvl5pPr>
-            <a:lvl6pPr marL="2171700" indent="-228600" fontAlgn="base">
-              <a:spcBef>
-                <a:spcPct val="0"/>
-              </a:spcBef>
-              <a:spcAft>
-                <a:spcPct val="0"/>
-              </a:spcAft>
-              <a:defRPr sz="2400">
-                <a:solidFill>
-                  <a:schemeClr val="tx1"/>
-                </a:solidFill>
-                <a:latin typeface="Times New Roman" pitchFamily="18" charset="0"/>
-              </a:defRPr>
-            </a:lvl6pPr>
-            <a:lvl7pPr marL="2628900" indent="-228600" fontAlgn="base">
-              <a:spcBef>
-                <a:spcPct val="0"/>
-              </a:spcBef>
-              <a:spcAft>
-                <a:spcPct val="0"/>
-              </a:spcAft>
-              <a:defRPr sz="2400">
-                <a:solidFill>
-                  <a:schemeClr val="tx1"/>
-                </a:solidFill>
-                <a:latin typeface="Times New Roman" pitchFamily="18" charset="0"/>
-              </a:defRPr>
-            </a:lvl7pPr>
-            <a:lvl8pPr marL="3086100" indent="-228600" fontAlgn="base">
-              <a:spcBef>
-                <a:spcPct val="0"/>
-              </a:spcBef>
-              <a:spcAft>
-                <a:spcPct val="0"/>
-              </a:spcAft>
-              <a:defRPr sz="2400">
-                <a:solidFill>
-                  <a:schemeClr val="tx1"/>
-                </a:solidFill>
-                <a:latin typeface="Times New Roman" pitchFamily="18" charset="0"/>
-              </a:defRPr>
-            </a:lvl8pPr>
-            <a:lvl9pPr marL="3543300" indent="-228600" fontAlgn="base">
-              <a:spcBef>
-                <a:spcPct val="0"/>
-              </a:spcBef>
-              <a:spcAft>
-                <a:spcPct val="0"/>
-              </a:spcAft>
-              <a:defRPr sz="2400">
-                <a:solidFill>
-                  <a:schemeClr val="tx1"/>
-                </a:solidFill>
-                <a:latin typeface="Times New Roman" pitchFamily="18" charset="0"/>
-              </a:defRPr>
-            </a:lvl9pPr>
-          </a:lstStyle>
-          <a:p>
-            <a:pPr>
-              <a:lnSpc>
-                <a:spcPct val="95000"/>
-              </a:lnSpc>
-            </a:pPr>
-            <a:r>
-              <a:rPr lang="en-US" sz="2100" dirty="0">
-                <a:solidFill>
-                  <a:srgbClr val="FF0000"/>
-                </a:solidFill>
-                <a:latin typeface="Courier New" pitchFamily="49" charset="0"/>
-              </a:rPr>
-              <a:t>&gt; a &lt;- 101</a:t>
-            </a:r>
-          </a:p>
-          <a:p>
-            <a:pPr>
-              <a:lnSpc>
-                <a:spcPct val="95000"/>
-              </a:lnSpc>
-            </a:pPr>
-            <a:r>
-              <a:rPr lang="en-US" sz="2100" dirty="0">
-                <a:solidFill>
-                  <a:srgbClr val="FF0000"/>
-                </a:solidFill>
-                <a:latin typeface="Courier New" pitchFamily="49" charset="0"/>
-              </a:rPr>
-              <a:t>&gt; length(a)</a:t>
-            </a:r>
-          </a:p>
-          <a:p>
-            <a:pPr>
-              <a:lnSpc>
-                <a:spcPct val="95000"/>
-              </a:lnSpc>
-            </a:pPr>
-            <a:r>
-              <a:rPr lang="en-US" sz="2100" dirty="0">
-                <a:solidFill>
-                  <a:srgbClr val="FF0000"/>
-                </a:solidFill>
-                <a:latin typeface="Courier New" pitchFamily="49" charset="0"/>
-              </a:rPr>
-              <a:t>[1] 1</a:t>
-            </a:r>
-          </a:p>
-          <a:p>
-            <a:pPr>
-              <a:lnSpc>
-                <a:spcPct val="95000"/>
-              </a:lnSpc>
-            </a:pPr>
-            <a:r>
-              <a:rPr lang="en-US" sz="2100" dirty="0">
-                <a:solidFill>
-                  <a:srgbClr val="FF0000"/>
-                </a:solidFill>
-                <a:latin typeface="Courier New" pitchFamily="49" charset="0"/>
-              </a:rPr>
-              <a:t>&gt; a[1]</a:t>
-            </a:r>
-          </a:p>
-          <a:p>
-            <a:pPr>
-              <a:lnSpc>
-                <a:spcPct val="95000"/>
-              </a:lnSpc>
-            </a:pPr>
-            <a:r>
-              <a:rPr lang="en-US" sz="2100" dirty="0">
-                <a:solidFill>
-                  <a:srgbClr val="FF0000"/>
-                </a:solidFill>
-                <a:latin typeface="Courier New" pitchFamily="49" charset="0"/>
-              </a:rPr>
-              <a:t>[1] 101</a:t>
-            </a:r>
-          </a:p>
-        </p:txBody>
-      </p:sp>
-      <p:sp>
-        <p:nvSpPr>
-          <p:cNvPr id="5" name="Text Box 5"/>
-          <p:cNvSpPr txBox="1">
-            <a:spLocks noChangeArrowheads="1"/>
-          </p:cNvSpPr>
-          <p:nvPr/>
-        </p:nvSpPr>
-        <p:spPr bwMode="auto">
-          <a:xfrm>
-            <a:off x="4694237" y="5126037"/>
-            <a:ext cx="4068763" cy="1535036"/>
-          </a:xfrm>
-          <a:prstGeom prst="rect">
-            <a:avLst/>
-          </a:prstGeom>
-          <a:noFill/>
-          <a:ln>
-            <a:noFill/>
-          </a:ln>
-          <a:effectLst/>
-          <a:extLst>
-            <a:ext uri="{909E8E84-426E-40DD-AFC4-6F175D3DCCD1}">
-              <a14:hiddenFill xmlns:a14="http://schemas.microsoft.com/office/drawing/2010/main">
-                <a:solidFill>
-                  <a:schemeClr val="accent1"/>
-                </a:solidFill>
-              </a14:hiddenFill>
-            </a:ext>
-            <a:ext uri="{91240B29-F687-4F45-9708-019B960494DF}">
-              <a14:hiddenLine xmlns:a14="http://schemas.microsoft.com/office/drawing/2010/main" w="9525">
-                <a:solidFill>
-                  <a:schemeClr val="tx1"/>
-                </a:solidFill>
-                <a:miter lim="800000"/>
-                <a:headEnd/>
-                <a:tailEnd/>
-              </a14:hiddenLine>
-            </a:ext>
-            <a:ext uri="{AF507438-7753-43E0-B8FC-AC1667EBCBE1}">
-              <a14:hiddenEffects xmlns:a14="http://schemas.microsoft.com/office/drawing/2010/main">
-                <a:effectLst>
-                  <a:outerShdw dist="35921" dir="2700000" algn="ctr" rotWithShape="0">
-                    <a:schemeClr val="bg2"/>
-                  </a:outerShdw>
-                </a:effectLst>
-              </a14:hiddenEffects>
-            </a:ext>
-          </a:extLst>
-        </p:spPr>
-        <p:txBody>
-          <a:bodyPr lIns="0" tIns="0" rIns="0" bIns="0">
-            <a:spAutoFit/>
-          </a:bodyPr>
-          <a:lstStyle>
-            <a:lvl1pPr>
-              <a:defRPr sz="2400">
-                <a:solidFill>
-                  <a:schemeClr val="tx1"/>
-                </a:solidFill>
-                <a:latin typeface="Times New Roman" pitchFamily="18" charset="0"/>
-              </a:defRPr>
-            </a:lvl1pPr>
-            <a:lvl2pPr indent="-342900">
-              <a:defRPr sz="2400">
-                <a:solidFill>
-                  <a:schemeClr val="tx1"/>
-                </a:solidFill>
-                <a:latin typeface="Times New Roman" pitchFamily="18" charset="0"/>
-              </a:defRPr>
-            </a:lvl2pPr>
-            <a:lvl3pPr marL="857250" indent="-285750">
-              <a:defRPr sz="2400">
-                <a:solidFill>
-                  <a:schemeClr val="tx1"/>
-                </a:solidFill>
-                <a:latin typeface="Times New Roman" pitchFamily="18" charset="0"/>
-              </a:defRPr>
-            </a:lvl3pPr>
-            <a:lvl4pPr marL="1257300" indent="-228600">
-              <a:defRPr sz="2400">
-                <a:solidFill>
-                  <a:schemeClr val="tx1"/>
-                </a:solidFill>
-                <a:latin typeface="Times New Roman" pitchFamily="18" charset="0"/>
-              </a:defRPr>
-            </a:lvl4pPr>
-            <a:lvl5pPr marL="1714500" indent="-228600">
-              <a:defRPr sz="2400">
-                <a:solidFill>
-                  <a:schemeClr val="tx1"/>
-                </a:solidFill>
-                <a:latin typeface="Times New Roman" pitchFamily="18" charset="0"/>
-              </a:defRPr>
-            </a:lvl5pPr>
-            <a:lvl6pPr marL="2171700" indent="-228600" fontAlgn="base">
-              <a:spcBef>
-                <a:spcPct val="0"/>
-              </a:spcBef>
-              <a:spcAft>
-                <a:spcPct val="0"/>
-              </a:spcAft>
-              <a:defRPr sz="2400">
-                <a:solidFill>
-                  <a:schemeClr val="tx1"/>
-                </a:solidFill>
-                <a:latin typeface="Times New Roman" pitchFamily="18" charset="0"/>
-              </a:defRPr>
-            </a:lvl6pPr>
-            <a:lvl7pPr marL="2628900" indent="-228600" fontAlgn="base">
-              <a:spcBef>
-                <a:spcPct val="0"/>
-              </a:spcBef>
-              <a:spcAft>
-                <a:spcPct val="0"/>
-              </a:spcAft>
-              <a:defRPr sz="2400">
-                <a:solidFill>
-                  <a:schemeClr val="tx1"/>
-                </a:solidFill>
-                <a:latin typeface="Times New Roman" pitchFamily="18" charset="0"/>
-              </a:defRPr>
-            </a:lvl7pPr>
-            <a:lvl8pPr marL="3086100" indent="-228600" fontAlgn="base">
-              <a:spcBef>
-                <a:spcPct val="0"/>
-              </a:spcBef>
-              <a:spcAft>
-                <a:spcPct val="0"/>
-              </a:spcAft>
-              <a:defRPr sz="2400">
-                <a:solidFill>
-                  <a:schemeClr val="tx1"/>
-                </a:solidFill>
-                <a:latin typeface="Times New Roman" pitchFamily="18" charset="0"/>
-              </a:defRPr>
-            </a:lvl8pPr>
-            <a:lvl9pPr marL="3543300" indent="-228600" fontAlgn="base">
-              <a:spcBef>
-                <a:spcPct val="0"/>
-              </a:spcBef>
-              <a:spcAft>
-                <a:spcPct val="0"/>
-              </a:spcAft>
-              <a:defRPr sz="2400">
-                <a:solidFill>
-                  <a:schemeClr val="tx1"/>
-                </a:solidFill>
-                <a:latin typeface="Times New Roman" pitchFamily="18" charset="0"/>
-              </a:defRPr>
-            </a:lvl9pPr>
-          </a:lstStyle>
-          <a:p>
-            <a:pPr>
-              <a:lnSpc>
-                <a:spcPct val="95000"/>
-              </a:lnSpc>
-            </a:pPr>
-            <a:r>
-              <a:rPr lang="en-US" sz="2100" dirty="0">
-                <a:solidFill>
-                  <a:srgbClr val="FF0000"/>
-                </a:solidFill>
-                <a:latin typeface="Courier New" pitchFamily="49" charset="0"/>
-              </a:rPr>
-              <a:t>&gt; a[2]</a:t>
-            </a:r>
-          </a:p>
-          <a:p>
-            <a:pPr>
-              <a:lnSpc>
-                <a:spcPct val="95000"/>
-              </a:lnSpc>
-            </a:pPr>
-            <a:r>
-              <a:rPr lang="en-US" sz="2100" dirty="0">
-                <a:solidFill>
-                  <a:srgbClr val="FF0000"/>
-                </a:solidFill>
-                <a:latin typeface="Courier New" pitchFamily="49" charset="0"/>
-              </a:rPr>
-              <a:t>[1] NA</a:t>
-            </a:r>
-          </a:p>
-          <a:p>
-            <a:pPr>
-              <a:lnSpc>
-                <a:spcPct val="95000"/>
-              </a:lnSpc>
-            </a:pPr>
-            <a:r>
-              <a:rPr lang="en-US" sz="2100" dirty="0">
-                <a:solidFill>
-                  <a:srgbClr val="FF0000"/>
-                </a:solidFill>
-                <a:latin typeface="Courier New" pitchFamily="49" charset="0"/>
-              </a:rPr>
-              <a:t>&gt; a[2] &lt;- 202</a:t>
-            </a:r>
-          </a:p>
-          <a:p>
-            <a:pPr>
-              <a:lnSpc>
-                <a:spcPct val="95000"/>
-              </a:lnSpc>
-            </a:pPr>
-            <a:r>
-              <a:rPr lang="en-US" sz="2100" dirty="0">
-                <a:solidFill>
-                  <a:srgbClr val="FF0000"/>
-                </a:solidFill>
-                <a:latin typeface="Courier New" pitchFamily="49" charset="0"/>
-              </a:rPr>
-              <a:t>&gt; length(a)</a:t>
-            </a:r>
-          </a:p>
-          <a:p>
-            <a:pPr>
-              <a:lnSpc>
-                <a:spcPct val="95000"/>
-              </a:lnSpc>
-            </a:pPr>
-            <a:r>
-              <a:rPr lang="en-US" sz="2100" dirty="0">
-                <a:solidFill>
-                  <a:srgbClr val="FF0000"/>
-                </a:solidFill>
-                <a:latin typeface="Courier New" pitchFamily="49" charset="0"/>
-              </a:rPr>
-              <a:t>[1] 2</a:t>
-            </a:r>
-          </a:p>
-        </p:txBody>
-      </p:sp>
-    </p:spTree>
-    <p:extLst>
-      <p:ext uri="{BB962C8B-B14F-4D97-AF65-F5344CB8AC3E}">
-        <p14:creationId xmlns:p14="http://schemas.microsoft.com/office/powerpoint/2010/main" val="3099964010"/>
-      </p:ext>
-    </p:extLst>
-  </p:cSld>
-  <p:clrMapOvr>
-    <a:masterClrMapping/>
-  </p:clrMapOvr>
-  <p:timing>
-    <p:tnLst>
-      <p:par>
-        <p:cTn id="1" dur="indefinite" restart="never" nodeType="tmRoot"/>
-      </p:par>
-    </p:tnLst>
-  </p:timing>
-</p:sld>
-</file>
-
-<file path=ppt/slides/slide29.xml><?xml version="1.0" encoding="utf-8"?>
 <p:sld xmlns:a="http://schemas.openxmlformats.org/drawingml/2006/main" xmlns:r="http://schemas.openxmlformats.org/officeDocument/2006/relationships" xmlns:p="http://schemas.openxmlformats.org/presentationml/2006/main">
   <p:cSld>
     <p:spTree>
@@ -14168,6 +13912,262 @@
     <p:extLst>
       <p:ext uri="{BB962C8B-B14F-4D97-AF65-F5344CB8AC3E}">
         <p14:creationId xmlns:p14="http://schemas.microsoft.com/office/powerpoint/2010/main" val="1358118555"/>
+      </p:ext>
+    </p:extLst>
+  </p:cSld>
+  <p:clrMapOvr>
+    <a:masterClrMapping/>
+  </p:clrMapOvr>
+  <p:timing>
+    <p:tnLst>
+      <p:par>
+        <p:cTn id="1" dur="indefinite" restart="never" nodeType="tmRoot"/>
+      </p:par>
+    </p:tnLst>
+  </p:timing>
+</p:sld>
+</file>
+
+<file path=ppt/slides/slide29.xml><?xml version="1.0" encoding="utf-8"?>
+<p:sld xmlns:a="http://schemas.openxmlformats.org/drawingml/2006/main" xmlns:r="http://schemas.openxmlformats.org/officeDocument/2006/relationships" xmlns:p="http://schemas.openxmlformats.org/presentationml/2006/main">
+  <p:cSld>
+    <p:spTree>
+      <p:nvGrpSpPr>
+        <p:cNvPr id="1" name=""/>
+        <p:cNvGrpSpPr/>
+        <p:nvPr/>
+      </p:nvGrpSpPr>
+      <p:grpSpPr>
+        <a:xfrm>
+          <a:off x="0" y="0"/>
+          <a:ext cx="0" cy="0"/>
+          <a:chOff x="0" y="0"/>
+          <a:chExt cx="0" cy="0"/>
+        </a:xfrm>
+      </p:grpSpPr>
+      <p:sp>
+        <p:nvSpPr>
+          <p:cNvPr id="2" name="Title 1"/>
+          <p:cNvSpPr>
+            <a:spLocks noGrp="1"/>
+          </p:cNvSpPr>
+          <p:nvPr>
+            <p:ph type="title"/>
+          </p:nvPr>
+        </p:nvSpPr>
+        <p:spPr/>
+        <p:txBody>
+          <a:bodyPr/>
+          <a:lstStyle/>
+          <a:p>
+            <a:r>
+              <a:rPr lang="en-US" dirty="0" smtClean="0"/>
+              <a:t>Vignettes</a:t>
+            </a:r>
+            <a:endParaRPr lang="en-US" dirty="0"/>
+          </a:p>
+        </p:txBody>
+      </p:sp>
+      <p:sp>
+        <p:nvSpPr>
+          <p:cNvPr id="3" name="Content Placeholder 2"/>
+          <p:cNvSpPr>
+            <a:spLocks noGrp="1"/>
+          </p:cNvSpPr>
+          <p:nvPr>
+            <p:ph idx="1"/>
+          </p:nvPr>
+        </p:nvSpPr>
+        <p:spPr>
+          <a:xfrm>
+            <a:off x="457200" y="1600200"/>
+            <a:ext cx="8229600" cy="4648200"/>
+          </a:xfrm>
+        </p:spPr>
+        <p:txBody>
+          <a:bodyPr>
+            <a:normAutofit fontScale="62500" lnSpcReduction="20000"/>
+          </a:bodyPr>
+          <a:lstStyle/>
+          <a:p>
+            <a:r>
+              <a:rPr lang="en-US" dirty="0" smtClean="0"/>
+              <a:t>Some packages have vignettes</a:t>
+            </a:r>
+          </a:p>
+          <a:p>
+            <a:pPr lvl="1"/>
+            <a:r>
+              <a:rPr lang="en-US" dirty="0" smtClean="0"/>
+              <a:t>A vignettes is an example of how to run the code and a lot of additional text explaining a lot more that you may want to know</a:t>
+            </a:r>
+          </a:p>
+          <a:p>
+            <a:endParaRPr lang="en-US" dirty="0"/>
+          </a:p>
+          <a:p>
+            <a:r>
+              <a:rPr lang="en-US" dirty="0" smtClean="0"/>
+              <a:t>List all available vignettes:</a:t>
+            </a:r>
+          </a:p>
+          <a:p>
+            <a:pPr marL="457200" lvl="1" indent="0">
+              <a:buNone/>
+            </a:pPr>
+            <a:endParaRPr lang="en-US" dirty="0" smtClean="0"/>
+          </a:p>
+          <a:p>
+            <a:pPr marL="457200" lvl="1" indent="0">
+              <a:buNone/>
+            </a:pPr>
+            <a:r>
+              <a:rPr lang="en-US" dirty="0" smtClean="0">
+                <a:solidFill>
+                  <a:srgbClr val="FF0000"/>
+                </a:solidFill>
+                <a:latin typeface="Courier New" pitchFamily="49" charset="0"/>
+                <a:cs typeface="Courier New" pitchFamily="49" charset="0"/>
+              </a:rPr>
+              <a:t>vignette()</a:t>
+            </a:r>
+          </a:p>
+          <a:p>
+            <a:endParaRPr lang="en-US" dirty="0" smtClean="0"/>
+          </a:p>
+          <a:p>
+            <a:r>
+              <a:rPr lang="en-US" dirty="0" smtClean="0"/>
+              <a:t>Display the vignette as a </a:t>
+            </a:r>
+            <a:r>
+              <a:rPr lang="en-US" dirty="0" err="1" smtClean="0"/>
+              <a:t>pdf</a:t>
+            </a:r>
+            <a:r>
+              <a:rPr lang="en-US" dirty="0" smtClean="0"/>
+              <a:t> by executing</a:t>
+            </a:r>
+          </a:p>
+          <a:p>
+            <a:pPr marL="457200" lvl="1" indent="0">
+              <a:buNone/>
+            </a:pPr>
+            <a:endParaRPr lang="en-US" dirty="0" smtClean="0"/>
+          </a:p>
+          <a:p>
+            <a:pPr marL="457200" lvl="1" indent="0">
+              <a:buNone/>
+            </a:pPr>
+            <a:r>
+              <a:rPr lang="en-US" dirty="0">
+                <a:solidFill>
+                  <a:srgbClr val="FF0000"/>
+                </a:solidFill>
+                <a:latin typeface="Courier New" pitchFamily="49" charset="0"/>
+                <a:cs typeface="Courier New" pitchFamily="49" charset="0"/>
+              </a:rPr>
+              <a:t>v</a:t>
+            </a:r>
+            <a:r>
+              <a:rPr lang="en-US" dirty="0" smtClean="0">
+                <a:solidFill>
+                  <a:srgbClr val="FF0000"/>
+                </a:solidFill>
+                <a:latin typeface="Courier New" pitchFamily="49" charset="0"/>
+                <a:cs typeface="Courier New" pitchFamily="49" charset="0"/>
+              </a:rPr>
+              <a:t>ignette(‘&lt;topic&gt;’)</a:t>
+            </a:r>
+            <a:endParaRPr lang="en-US" dirty="0">
+              <a:solidFill>
+                <a:srgbClr val="FF0000"/>
+              </a:solidFill>
+              <a:latin typeface="Courier New" pitchFamily="49" charset="0"/>
+              <a:cs typeface="Courier New" pitchFamily="49" charset="0"/>
+            </a:endParaRPr>
+          </a:p>
+          <a:p>
+            <a:endParaRPr lang="en-US" dirty="0" smtClean="0"/>
+          </a:p>
+          <a:p>
+            <a:r>
+              <a:rPr lang="en-US" dirty="0" smtClean="0"/>
+              <a:t>To play with the vignette code</a:t>
+            </a:r>
+          </a:p>
+          <a:p>
+            <a:pPr marL="457200" lvl="1" indent="0">
+              <a:buNone/>
+            </a:pPr>
+            <a:endParaRPr lang="en-US" dirty="0"/>
+          </a:p>
+          <a:p>
+            <a:pPr marL="457200" lvl="1" indent="0">
+              <a:buNone/>
+            </a:pPr>
+            <a:r>
+              <a:rPr lang="en-US" dirty="0" err="1" smtClean="0">
+                <a:solidFill>
+                  <a:srgbClr val="FF0000"/>
+                </a:solidFill>
+                <a:latin typeface="Courier New" pitchFamily="49" charset="0"/>
+                <a:cs typeface="Courier New" pitchFamily="49" charset="0"/>
+              </a:rPr>
+              <a:t>vig</a:t>
+            </a:r>
+            <a:r>
+              <a:rPr lang="en-US" dirty="0" smtClean="0">
+                <a:solidFill>
+                  <a:srgbClr val="FF0000"/>
+                </a:solidFill>
+                <a:latin typeface="Courier New" pitchFamily="49" charset="0"/>
+                <a:cs typeface="Courier New" pitchFamily="49" charset="0"/>
+              </a:rPr>
+              <a:t> = vignette(‘&lt;topic&gt;’)</a:t>
+            </a:r>
+          </a:p>
+          <a:p>
+            <a:pPr marL="457200" lvl="1" indent="0">
+              <a:buNone/>
+            </a:pPr>
+            <a:r>
+              <a:rPr lang="en-US" dirty="0" smtClean="0">
+                <a:solidFill>
+                  <a:srgbClr val="FF0000"/>
+                </a:solidFill>
+                <a:latin typeface="Courier New" pitchFamily="49" charset="0"/>
+                <a:cs typeface="Courier New" pitchFamily="49" charset="0"/>
+              </a:rPr>
+              <a:t>edit(</a:t>
+            </a:r>
+            <a:r>
+              <a:rPr lang="en-US" dirty="0" err="1" smtClean="0">
+                <a:solidFill>
+                  <a:srgbClr val="FF0000"/>
+                </a:solidFill>
+                <a:latin typeface="Courier New" pitchFamily="49" charset="0"/>
+                <a:cs typeface="Courier New" pitchFamily="49" charset="0"/>
+              </a:rPr>
+              <a:t>vig</a:t>
+            </a:r>
+            <a:r>
+              <a:rPr lang="en-US" dirty="0" smtClean="0">
+                <a:solidFill>
+                  <a:srgbClr val="FF0000"/>
+                </a:solidFill>
+                <a:latin typeface="Courier New" pitchFamily="49" charset="0"/>
+                <a:cs typeface="Courier New" pitchFamily="49" charset="0"/>
+              </a:rPr>
+              <a:t>)</a:t>
+            </a:r>
+          </a:p>
+        </p:txBody>
+      </p:sp>
+    </p:spTree>
+    <p:extLst>
+      <p:ext uri="{BB962C8B-B14F-4D97-AF65-F5344CB8AC3E}">
+        <p14:creationId xmlns:p14="http://schemas.microsoft.com/office/powerpoint/2010/main" val="2078138744"/>
       </p:ext>
     </p:extLst>
   </p:cSld>
@@ -14867,30 +14867,35 @@
               <a:buNone/>
             </a:pPr>
             <a:r>
-              <a:rPr lang="en-US" dirty="0">
-                <a:solidFill>
-                  <a:srgbClr val="FF0000"/>
-                </a:solidFill>
+              <a:rPr lang="en-US" b="1" dirty="0" smtClean="0">
                 <a:latin typeface="Courier New" pitchFamily="49" charset="0"/>
                 <a:cs typeface="Courier New" pitchFamily="49" charset="0"/>
               </a:rPr>
-              <a:t>for (</a:t>
-            </a:r>
-            <a:r>
-              <a:rPr lang="en-US" dirty="0" err="1">
-                <a:solidFill>
-                  <a:srgbClr val="FF0000"/>
-                </a:solidFill>
+              <a:t>for</a:t>
+            </a:r>
+            <a:r>
+              <a:rPr lang="en-US" dirty="0" smtClean="0">
                 <a:latin typeface="Courier New" pitchFamily="49" charset="0"/>
                 <a:cs typeface="Courier New" pitchFamily="49" charset="0"/>
               </a:rPr>
+              <a:t> </a:t>
+            </a:r>
+            <a:r>
+              <a:rPr lang="en-US" dirty="0">
+                <a:latin typeface="Courier New" pitchFamily="49" charset="0"/>
+                <a:cs typeface="Courier New" pitchFamily="49" charset="0"/>
+              </a:rPr>
+              <a:t>(</a:t>
+            </a:r>
+            <a:r>
+              <a:rPr lang="en-US" dirty="0" err="1">
+                <a:latin typeface="Courier New" pitchFamily="49" charset="0"/>
+                <a:cs typeface="Courier New" pitchFamily="49" charset="0"/>
+              </a:rPr>
               <a:t>i</a:t>
             </a:r>
             <a:r>
               <a:rPr lang="en-US" dirty="0">
-                <a:solidFill>
-                  <a:srgbClr val="FF0000"/>
-                </a:solidFill>
                 <a:latin typeface="Courier New" pitchFamily="49" charset="0"/>
                 <a:cs typeface="Courier New" pitchFamily="49" charset="0"/>
               </a:rPr>
@@ -14903,9 +14908,6 @@
             </a:pPr>
             <a:r>
               <a:rPr lang="en-US" dirty="0">
-                <a:solidFill>
-                  <a:srgbClr val="FF0000"/>
-                </a:solidFill>
                 <a:latin typeface="Courier New" pitchFamily="49" charset="0"/>
                 <a:cs typeface="Courier New" pitchFamily="49" charset="0"/>
               </a:rPr>
@@ -14918,9 +14920,6 @@
             </a:pPr>
             <a:r>
               <a:rPr lang="en-US" dirty="0">
-                <a:solidFill>
-                  <a:srgbClr val="FF0000"/>
-                </a:solidFill>
                 <a:latin typeface="Courier New" pitchFamily="49" charset="0"/>
                 <a:cs typeface="Courier New" pitchFamily="49" charset="0"/>
               </a:rPr>
@@ -15043,7 +15042,7 @@
         <p:spPr/>
         <p:txBody>
           <a:bodyPr>
-            <a:normAutofit lnSpcReduction="10000"/>
+            <a:normAutofit fontScale="92500" lnSpcReduction="10000"/>
           </a:bodyPr>
           <a:lstStyle/>
           <a:p>
@@ -15067,9 +15066,6 @@
             </a:pPr>
             <a:r>
               <a:rPr lang="en-US" sz="2400" dirty="0" err="1" smtClean="0">
-                <a:solidFill>
-                  <a:srgbClr val="FF0000"/>
-                </a:solidFill>
                 <a:latin typeface="Courier New" pitchFamily="49" charset="0"/>
                 <a:cs typeface="Courier New" pitchFamily="49" charset="0"/>
               </a:rPr>
@@ -15077,160 +15073,24 @@
             </a:r>
             <a:r>
               <a:rPr lang="en-US" sz="2400" dirty="0" smtClean="0">
-                <a:solidFill>
-                  <a:srgbClr val="FF0000"/>
-                </a:solidFill>
                 <a:latin typeface="Courier New" pitchFamily="49" charset="0"/>
                 <a:cs typeface="Courier New" pitchFamily="49" charset="0"/>
               </a:rPr>
-              <a:t> = c(0.1, 0.05, 0.003, 0.4, 0.9)</a:t>
-            </a:r>
-          </a:p>
-          <a:p>
-            <a:pPr marL="0" indent="0">
-              <a:buNone/>
-            </a:pPr>
-            <a:r>
-              <a:rPr lang="en-US" sz="2400" dirty="0" smtClean="0">
-                <a:solidFill>
-                  <a:srgbClr val="FF0000"/>
-                </a:solidFill>
+              <a:t> = </a:t>
+            </a:r>
+            <a:r>
+              <a:rPr lang="en-US" sz="2400" b="1" dirty="0" smtClean="0">
                 <a:latin typeface="Courier New" pitchFamily="49" charset="0"/>
                 <a:cs typeface="Courier New" pitchFamily="49" charset="0"/>
               </a:rPr>
-              <a:t># A vector to store the negative log p-values</a:t>
-            </a:r>
-          </a:p>
-          <a:p>
-            <a:pPr marL="0" indent="0">
-              <a:buNone/>
-            </a:pPr>
+              <a:t>c</a:t>
+            </a:r>
             <a:r>
               <a:rPr lang="en-US" sz="2400" dirty="0" smtClean="0">
-                <a:solidFill>
-                  <a:srgbClr val="FF0000"/>
-                </a:solidFill>
                 <a:latin typeface="Courier New" pitchFamily="49" charset="0"/>
                 <a:cs typeface="Courier New" pitchFamily="49" charset="0"/>
               </a:rPr>
-              <a:t>neglog10.p.values = 1:5</a:t>
-            </a:r>
-          </a:p>
-          <a:p>
-            <a:pPr marL="0" indent="0">
-              <a:buNone/>
-            </a:pPr>
-            <a:r>
-              <a:rPr lang="en-US" sz="2400" dirty="0" smtClean="0">
-                <a:solidFill>
-                  <a:srgbClr val="FF0000"/>
-                </a:solidFill>
-                <a:latin typeface="Courier New" pitchFamily="49" charset="0"/>
-                <a:cs typeface="Courier New" pitchFamily="49" charset="0"/>
-              </a:rPr>
-              <a:t># Transform the p-values</a:t>
-            </a:r>
-          </a:p>
-          <a:p>
-            <a:pPr marL="0" indent="0">
-              <a:buNone/>
-            </a:pPr>
-            <a:r>
-              <a:rPr lang="en-US" sz="2400" dirty="0" smtClean="0">
-                <a:solidFill>
-                  <a:srgbClr val="FF0000"/>
-                </a:solidFill>
-                <a:latin typeface="Courier New" pitchFamily="49" charset="0"/>
-                <a:cs typeface="Courier New" pitchFamily="49" charset="0"/>
-              </a:rPr>
-              <a:t>for(p in 1:length(</a:t>
-            </a:r>
-            <a:r>
-              <a:rPr lang="en-US" sz="2400" dirty="0" err="1" smtClean="0">
-                <a:solidFill>
-                  <a:srgbClr val="FF0000"/>
-                </a:solidFill>
-                <a:latin typeface="Courier New" pitchFamily="49" charset="0"/>
-                <a:cs typeface="Courier New" pitchFamily="49" charset="0"/>
-              </a:rPr>
-              <a:t>p.values</a:t>
-            </a:r>
-            <a:r>
-              <a:rPr lang="en-US" sz="2400" dirty="0" smtClean="0">
-                <a:solidFill>
-                  <a:srgbClr val="FF0000"/>
-                </a:solidFill>
-                <a:latin typeface="Courier New" pitchFamily="49" charset="0"/>
-                <a:cs typeface="Courier New" pitchFamily="49" charset="0"/>
-              </a:rPr>
-              <a:t>)) {</a:t>
-            </a:r>
-          </a:p>
-          <a:p>
-            <a:pPr marL="0" indent="0">
-              <a:buNone/>
-            </a:pPr>
-            <a:r>
-              <a:rPr lang="en-US" sz="2400" dirty="0">
-                <a:solidFill>
-                  <a:srgbClr val="FF0000"/>
-                </a:solidFill>
-                <a:latin typeface="Courier New" pitchFamily="49" charset="0"/>
-                <a:cs typeface="Courier New" pitchFamily="49" charset="0"/>
-              </a:rPr>
-              <a:t> </a:t>
-            </a:r>
-            <a:r>
-              <a:rPr lang="en-US" sz="2400" dirty="0" smtClean="0">
-                <a:solidFill>
-                  <a:srgbClr val="FF0000"/>
-                </a:solidFill>
-                <a:latin typeface="Courier New" pitchFamily="49" charset="0"/>
-                <a:cs typeface="Courier New" pitchFamily="49" charset="0"/>
-              </a:rPr>
-              <a:t> neglog10.p.values[p] = -log10(</a:t>
-            </a:r>
-            <a:r>
-              <a:rPr lang="en-US" sz="2400" dirty="0" err="1" smtClean="0">
-                <a:solidFill>
-                  <a:srgbClr val="FF0000"/>
-                </a:solidFill>
-                <a:latin typeface="Courier New" pitchFamily="49" charset="0"/>
-                <a:cs typeface="Courier New" pitchFamily="49" charset="0"/>
-              </a:rPr>
-              <a:t>p.values</a:t>
-            </a:r>
-            <a:r>
-              <a:rPr lang="en-US" sz="2400" dirty="0" smtClean="0">
-                <a:solidFill>
-                  <a:srgbClr val="FF0000"/>
-                </a:solidFill>
-                <a:latin typeface="Courier New" pitchFamily="49" charset="0"/>
-                <a:cs typeface="Courier New" pitchFamily="49" charset="0"/>
-              </a:rPr>
-              <a:t>[p])</a:t>
-            </a:r>
-            <a:endParaRPr lang="en-US" sz="2400" dirty="0">
-              <a:solidFill>
-                <a:srgbClr val="FF0000"/>
-              </a:solidFill>
-              <a:latin typeface="Courier New" pitchFamily="49" charset="0"/>
-              <a:cs typeface="Courier New" pitchFamily="49" charset="0"/>
-            </a:endParaRPr>
-          </a:p>
-          <a:p>
-            <a:pPr marL="0" indent="0">
-              <a:buNone/>
-            </a:pPr>
-            <a:r>
-              <a:rPr lang="en-US" sz="2400" dirty="0" smtClean="0">
-                <a:solidFill>
-                  <a:srgbClr val="FF0000"/>
-                </a:solidFill>
-                <a:latin typeface="Courier New" pitchFamily="49" charset="0"/>
-                <a:cs typeface="Courier New" pitchFamily="49" charset="0"/>
-              </a:rPr>
-              <a:t>}</a:t>
+              <a:t>(0.1, 0.05, 0.003, 0.4, 0.9)</a:t>
             </a:r>
           </a:p>
           <a:p>
@@ -15241,6 +15101,199 @@
               <a:solidFill>
                 <a:srgbClr val="FF0000"/>
               </a:solidFill>
+              <a:latin typeface="Courier New" pitchFamily="49" charset="0"/>
+              <a:cs typeface="Courier New" pitchFamily="49" charset="0"/>
+            </a:endParaRPr>
+          </a:p>
+          <a:p>
+            <a:pPr marL="0" indent="0">
+              <a:buNone/>
+            </a:pPr>
+            <a:r>
+              <a:rPr lang="en-US" sz="2400" dirty="0" smtClean="0">
+                <a:solidFill>
+                  <a:srgbClr val="FF0000"/>
+                </a:solidFill>
+                <a:latin typeface="Courier New" pitchFamily="49" charset="0"/>
+                <a:cs typeface="Courier New" pitchFamily="49" charset="0"/>
+              </a:rPr>
+              <a:t># </a:t>
+            </a:r>
+            <a:r>
+              <a:rPr lang="en-US" sz="2400" dirty="0" smtClean="0">
+                <a:solidFill>
+                  <a:srgbClr val="FF0000"/>
+                </a:solidFill>
+                <a:latin typeface="Courier New" pitchFamily="49" charset="0"/>
+                <a:cs typeface="Courier New" pitchFamily="49" charset="0"/>
+              </a:rPr>
+              <a:t>A vector to store the negative log p-values</a:t>
+            </a:r>
+          </a:p>
+          <a:p>
+            <a:pPr marL="0" indent="0">
+              <a:buNone/>
+            </a:pPr>
+            <a:r>
+              <a:rPr lang="en-US" sz="2400" dirty="0" smtClean="0">
+                <a:latin typeface="Courier New" pitchFamily="49" charset="0"/>
+                <a:cs typeface="Courier New" pitchFamily="49" charset="0"/>
+              </a:rPr>
+              <a:t>neglog10.p.values = 1:5</a:t>
+            </a:r>
+          </a:p>
+          <a:p>
+            <a:pPr marL="0" indent="0">
+              <a:buNone/>
+            </a:pPr>
+            <a:endParaRPr lang="en-US" sz="2400" dirty="0" smtClean="0">
+              <a:solidFill>
+                <a:srgbClr val="FF0000"/>
+              </a:solidFill>
+              <a:latin typeface="Courier New" pitchFamily="49" charset="0"/>
+              <a:cs typeface="Courier New" pitchFamily="49" charset="0"/>
+            </a:endParaRPr>
+          </a:p>
+          <a:p>
+            <a:pPr marL="0" indent="0">
+              <a:buNone/>
+            </a:pPr>
+            <a:r>
+              <a:rPr lang="en-US" sz="2400" dirty="0" smtClean="0">
+                <a:solidFill>
+                  <a:srgbClr val="FF0000"/>
+                </a:solidFill>
+                <a:latin typeface="Courier New" pitchFamily="49" charset="0"/>
+                <a:cs typeface="Courier New" pitchFamily="49" charset="0"/>
+              </a:rPr>
+              <a:t># </a:t>
+            </a:r>
+            <a:r>
+              <a:rPr lang="en-US" sz="2400" dirty="0" smtClean="0">
+                <a:solidFill>
+                  <a:srgbClr val="FF0000"/>
+                </a:solidFill>
+                <a:latin typeface="Courier New" pitchFamily="49" charset="0"/>
+                <a:cs typeface="Courier New" pitchFamily="49" charset="0"/>
+              </a:rPr>
+              <a:t>Transform the p-values</a:t>
+            </a:r>
+          </a:p>
+          <a:p>
+            <a:pPr marL="0" indent="0">
+              <a:buNone/>
+            </a:pPr>
+            <a:r>
+              <a:rPr lang="en-US" sz="2400" b="1" dirty="0" smtClean="0">
+                <a:latin typeface="Courier New" pitchFamily="49" charset="0"/>
+                <a:cs typeface="Courier New" pitchFamily="49" charset="0"/>
+              </a:rPr>
+              <a:t>for</a:t>
+            </a:r>
+            <a:r>
+              <a:rPr lang="en-US" sz="2400" dirty="0" smtClean="0">
+                <a:latin typeface="Courier New" pitchFamily="49" charset="0"/>
+                <a:cs typeface="Courier New" pitchFamily="49" charset="0"/>
+              </a:rPr>
+              <a:t>(p in 1:</a:t>
+            </a:r>
+            <a:r>
+              <a:rPr lang="en-US" sz="2400" b="1" dirty="0" smtClean="0">
+                <a:latin typeface="Courier New" pitchFamily="49" charset="0"/>
+                <a:cs typeface="Courier New" pitchFamily="49" charset="0"/>
+              </a:rPr>
+              <a:t>length</a:t>
+            </a:r>
+            <a:r>
+              <a:rPr lang="en-US" sz="2400" dirty="0" smtClean="0">
+                <a:latin typeface="Courier New" pitchFamily="49" charset="0"/>
+                <a:cs typeface="Courier New" pitchFamily="49" charset="0"/>
+              </a:rPr>
+              <a:t>(</a:t>
+            </a:r>
+            <a:r>
+              <a:rPr lang="en-US" sz="2400" dirty="0" err="1" smtClean="0">
+                <a:latin typeface="Courier New" pitchFamily="49" charset="0"/>
+                <a:cs typeface="Courier New" pitchFamily="49" charset="0"/>
+              </a:rPr>
+              <a:t>p.values</a:t>
+            </a:r>
+            <a:r>
+              <a:rPr lang="en-US" sz="2400" dirty="0" smtClean="0">
+                <a:latin typeface="Courier New" pitchFamily="49" charset="0"/>
+                <a:cs typeface="Courier New" pitchFamily="49" charset="0"/>
+              </a:rPr>
+              <a:t>)) {</a:t>
+            </a:r>
+          </a:p>
+          <a:p>
+            <a:pPr marL="0" indent="0">
+              <a:buNone/>
+            </a:pPr>
+            <a:r>
+              <a:rPr lang="en-US" sz="2400" dirty="0">
+                <a:latin typeface="Courier New" pitchFamily="49" charset="0"/>
+                <a:cs typeface="Courier New" pitchFamily="49" charset="0"/>
+              </a:rPr>
+              <a:t> </a:t>
+            </a:r>
+            <a:r>
+              <a:rPr lang="en-US" sz="2400" dirty="0" smtClean="0">
+                <a:latin typeface="Courier New" pitchFamily="49" charset="0"/>
+                <a:cs typeface="Courier New" pitchFamily="49" charset="0"/>
+              </a:rPr>
+              <a:t> neglog10.p.values[p] = -</a:t>
+            </a:r>
+            <a:r>
+              <a:rPr lang="en-US" sz="2400" b="1" dirty="0" smtClean="0">
+                <a:latin typeface="Courier New" pitchFamily="49" charset="0"/>
+                <a:cs typeface="Courier New" pitchFamily="49" charset="0"/>
+              </a:rPr>
+              <a:t>log10</a:t>
+            </a:r>
+            <a:r>
+              <a:rPr lang="en-US" sz="2400" dirty="0" smtClean="0">
+                <a:latin typeface="Courier New" pitchFamily="49" charset="0"/>
+                <a:cs typeface="Courier New" pitchFamily="49" charset="0"/>
+              </a:rPr>
+              <a:t>(</a:t>
+            </a:r>
+            <a:r>
+              <a:rPr lang="en-US" sz="2400" dirty="0" err="1" smtClean="0">
+                <a:latin typeface="Courier New" pitchFamily="49" charset="0"/>
+                <a:cs typeface="Courier New" pitchFamily="49" charset="0"/>
+              </a:rPr>
+              <a:t>p.values</a:t>
+            </a:r>
+            <a:r>
+              <a:rPr lang="en-US" sz="2400" dirty="0" smtClean="0">
+                <a:latin typeface="Courier New" pitchFamily="49" charset="0"/>
+                <a:cs typeface="Courier New" pitchFamily="49" charset="0"/>
+              </a:rPr>
+              <a:t>[p])</a:t>
+            </a:r>
+            <a:endParaRPr lang="en-US" sz="2400" dirty="0">
+              <a:latin typeface="Courier New" pitchFamily="49" charset="0"/>
+              <a:cs typeface="Courier New" pitchFamily="49" charset="0"/>
+            </a:endParaRPr>
+          </a:p>
+          <a:p>
+            <a:pPr marL="0" indent="0">
+              <a:buNone/>
+            </a:pPr>
+            <a:r>
+              <a:rPr lang="en-US" sz="2400" dirty="0" smtClean="0">
+                <a:latin typeface="Courier New" pitchFamily="49" charset="0"/>
+                <a:cs typeface="Courier New" pitchFamily="49" charset="0"/>
+              </a:rPr>
+              <a:t>}</a:t>
+            </a:r>
+          </a:p>
+          <a:p>
+            <a:pPr marL="0" indent="0">
+              <a:buNone/>
+            </a:pPr>
+            <a:endParaRPr lang="en-US" sz="2400" dirty="0" smtClean="0">
               <a:latin typeface="Courier New" pitchFamily="49" charset="0"/>
               <a:cs typeface="Courier New" pitchFamily="49" charset="0"/>
             </a:endParaRPr>
@@ -15523,14 +15576,18 @@
               <a:buNone/>
             </a:pPr>
             <a:r>
-              <a:rPr lang="en-US" dirty="0">
-                <a:solidFill>
-                  <a:srgbClr val="FF0000"/>
-                </a:solidFill>
+              <a:rPr lang="en-US" b="1" dirty="0">
                 <a:latin typeface="Courier New" pitchFamily="49" charset="0"/>
                 <a:cs typeface="Courier New" pitchFamily="49" charset="0"/>
               </a:rPr>
-              <a:t>while (stop != TRUE) {</a:t>
+              <a:t>while</a:t>
+            </a:r>
+            <a:r>
+              <a:rPr lang="en-US" dirty="0">
+                <a:latin typeface="Courier New" pitchFamily="49" charset="0"/>
+                <a:cs typeface="Courier New" pitchFamily="49" charset="0"/>
+              </a:rPr>
+              <a:t> (stop != TRUE) {</a:t>
             </a:r>
           </a:p>
           <a:p>
@@ -15539,9 +15596,6 @@
             </a:pPr>
             <a:r>
               <a:rPr lang="en-US" dirty="0">
-                <a:solidFill>
-                  <a:srgbClr val="FF0000"/>
-                </a:solidFill>
                 <a:latin typeface="Courier New" pitchFamily="49" charset="0"/>
                 <a:cs typeface="Courier New" pitchFamily="49" charset="0"/>
               </a:rPr>
@@ -15554,9 +15608,6 @@
             </a:pPr>
             <a:r>
               <a:rPr lang="en-US" dirty="0">
-                <a:solidFill>
-                  <a:srgbClr val="FF0000"/>
-                </a:solidFill>
                 <a:latin typeface="Courier New" pitchFamily="49" charset="0"/>
                 <a:cs typeface="Courier New" pitchFamily="49" charset="0"/>
               </a:rPr>
@@ -15681,7 +15732,7 @@
         <p:spPr/>
         <p:txBody>
           <a:bodyPr>
-            <a:normAutofit fontScale="92500" lnSpcReduction="20000"/>
+            <a:normAutofit fontScale="70000" lnSpcReduction="20000"/>
           </a:bodyPr>
           <a:lstStyle/>
           <a:p>
@@ -15705,160 +15756,31 @@
             </a:pPr>
             <a:r>
               <a:rPr lang="en-US" sz="2800" dirty="0" smtClean="0">
-                <a:solidFill>
-                  <a:srgbClr val="FF0000"/>
-                </a:solidFill>
                 <a:latin typeface="Courier New" pitchFamily="49" charset="0"/>
                 <a:cs typeface="Courier New" pitchFamily="49" charset="0"/>
               </a:rPr>
-              <a:t>v1 = c(21, 22, 53, 74, 85, 96, 97, 58, 49, 30, 85)</a:t>
+              <a:t>v1 = </a:t>
+            </a:r>
+            <a:r>
+              <a:rPr lang="en-US" sz="2800" b="1" dirty="0" smtClean="0">
+                <a:latin typeface="Courier New" pitchFamily="49" charset="0"/>
+                <a:cs typeface="Courier New" pitchFamily="49" charset="0"/>
+              </a:rPr>
+              <a:t>c</a:t>
+            </a:r>
+            <a:r>
+              <a:rPr lang="en-US" sz="2800" dirty="0" smtClean="0">
+                <a:latin typeface="Courier New" pitchFamily="49" charset="0"/>
+                <a:cs typeface="Courier New" pitchFamily="49" charset="0"/>
+              </a:rPr>
+              <a:t>(21, 22, 53, 74, 85, 96, 97, 58, 49, 30, 85)</a:t>
             </a:r>
           </a:p>
           <a:p>
             <a:pPr marL="0" indent="0">
               <a:buNone/>
             </a:pPr>
-            <a:r>
-              <a:rPr lang="en-US" sz="2800" dirty="0" smtClean="0">
-                <a:solidFill>
-                  <a:srgbClr val="FF0000"/>
-                </a:solidFill>
-                <a:latin typeface="Courier New" pitchFamily="49" charset="0"/>
-                <a:cs typeface="Courier New" pitchFamily="49" charset="0"/>
-              </a:rPr>
-              <a:t># Iterator</a:t>
-            </a:r>
-          </a:p>
-          <a:p>
-            <a:pPr marL="0" indent="0">
-              <a:buNone/>
-            </a:pPr>
-            <a:r>
-              <a:rPr lang="en-US" sz="2800" dirty="0" err="1">
-                <a:solidFill>
-                  <a:srgbClr val="FF0000"/>
-                </a:solidFill>
-                <a:latin typeface="Courier New" pitchFamily="49" charset="0"/>
-                <a:cs typeface="Courier New" pitchFamily="49" charset="0"/>
-              </a:rPr>
-              <a:t>i</a:t>
-            </a:r>
-            <a:r>
-              <a:rPr lang="en-US" sz="2800" dirty="0" smtClean="0">
-                <a:solidFill>
-                  <a:srgbClr val="FF0000"/>
-                </a:solidFill>
-                <a:latin typeface="Courier New" pitchFamily="49" charset="0"/>
-                <a:cs typeface="Courier New" pitchFamily="49" charset="0"/>
-              </a:rPr>
-              <a:t> = 1</a:t>
-            </a:r>
-          </a:p>
-          <a:p>
-            <a:pPr marL="0" indent="0">
-              <a:buNone/>
-            </a:pPr>
-            <a:r>
-              <a:rPr lang="en-US" sz="2800" dirty="0" smtClean="0">
-                <a:solidFill>
-                  <a:srgbClr val="FF0000"/>
-                </a:solidFill>
-                <a:latin typeface="Courier New" pitchFamily="49" charset="0"/>
-                <a:cs typeface="Courier New" pitchFamily="49" charset="0"/>
-              </a:rPr>
-              <a:t># Look for first instance of 85</a:t>
-            </a:r>
-          </a:p>
-          <a:p>
-            <a:pPr marL="0" indent="0">
-              <a:buNone/>
-            </a:pPr>
-            <a:r>
-              <a:rPr lang="en-US" sz="2800" dirty="0" smtClean="0">
-                <a:solidFill>
-                  <a:srgbClr val="FF0000"/>
-                </a:solidFill>
-                <a:latin typeface="Courier New" pitchFamily="49" charset="0"/>
-                <a:cs typeface="Courier New" pitchFamily="49" charset="0"/>
-              </a:rPr>
-              <a:t>while(v1[</a:t>
-            </a:r>
-            <a:r>
-              <a:rPr lang="en-US" sz="2800" dirty="0" err="1" smtClean="0">
-                <a:solidFill>
-                  <a:srgbClr val="FF0000"/>
-                </a:solidFill>
-                <a:latin typeface="Courier New" pitchFamily="49" charset="0"/>
-                <a:cs typeface="Courier New" pitchFamily="49" charset="0"/>
-              </a:rPr>
-              <a:t>i</a:t>
-            </a:r>
-            <a:r>
-              <a:rPr lang="en-US" sz="2800" dirty="0" smtClean="0">
-                <a:solidFill>
-                  <a:srgbClr val="FF0000"/>
-                </a:solidFill>
-                <a:latin typeface="Courier New" pitchFamily="49" charset="0"/>
-                <a:cs typeface="Courier New" pitchFamily="49" charset="0"/>
-              </a:rPr>
-              <a:t>] != 85) {</a:t>
-            </a:r>
-          </a:p>
-          <a:p>
-            <a:pPr marL="0" indent="0">
-              <a:buNone/>
-            </a:pPr>
-            <a:r>
-              <a:rPr lang="en-US" sz="2800" dirty="0">
-                <a:solidFill>
-                  <a:srgbClr val="FF0000"/>
-                </a:solidFill>
-                <a:latin typeface="Courier New" pitchFamily="49" charset="0"/>
-                <a:cs typeface="Courier New" pitchFamily="49" charset="0"/>
-              </a:rPr>
-              <a:t>	</a:t>
-            </a:r>
-            <a:r>
-              <a:rPr lang="en-US" sz="2800" dirty="0" err="1" smtClean="0">
-                <a:solidFill>
-                  <a:srgbClr val="FF0000"/>
-                </a:solidFill>
-                <a:latin typeface="Courier New" pitchFamily="49" charset="0"/>
-                <a:cs typeface="Courier New" pitchFamily="49" charset="0"/>
-              </a:rPr>
-              <a:t>i</a:t>
-            </a:r>
-            <a:r>
-              <a:rPr lang="en-US" sz="2800" dirty="0" smtClean="0">
-                <a:solidFill>
-                  <a:srgbClr val="FF0000"/>
-                </a:solidFill>
-                <a:latin typeface="Courier New" pitchFamily="49" charset="0"/>
-                <a:cs typeface="Courier New" pitchFamily="49" charset="0"/>
-              </a:rPr>
-              <a:t> = </a:t>
-            </a:r>
-            <a:r>
-              <a:rPr lang="en-US" sz="2800" dirty="0" err="1" smtClean="0">
-                <a:solidFill>
-                  <a:srgbClr val="FF0000"/>
-                </a:solidFill>
-                <a:latin typeface="Courier New" pitchFamily="49" charset="0"/>
-                <a:cs typeface="Courier New" pitchFamily="49" charset="0"/>
-              </a:rPr>
-              <a:t>i</a:t>
-            </a:r>
-            <a:r>
-              <a:rPr lang="en-US" sz="2800" dirty="0" smtClean="0">
-                <a:solidFill>
-                  <a:srgbClr val="FF0000"/>
-                </a:solidFill>
-                <a:latin typeface="Courier New" pitchFamily="49" charset="0"/>
-                <a:cs typeface="Courier New" pitchFamily="49" charset="0"/>
-              </a:rPr>
-              <a:t> + 1 </a:t>
-            </a:r>
-            <a:endParaRPr lang="en-US" sz="2800" dirty="0">
+            <a:endParaRPr lang="en-US" sz="2800" dirty="0" smtClean="0">
               <a:solidFill>
                 <a:srgbClr val="FF0000"/>
               </a:solidFill>
@@ -15878,7 +15800,17 @@
                 <a:latin typeface="Courier New" pitchFamily="49" charset="0"/>
                 <a:cs typeface="Courier New" pitchFamily="49" charset="0"/>
               </a:rPr>
-              <a:t>}</a:t>
+              <a:t># </a:t>
+            </a:r>
+            <a:r>
+              <a:rPr lang="en-US" sz="2800" dirty="0" smtClean="0">
+                <a:solidFill>
+                  <a:srgbClr val="FF0000"/>
+                </a:solidFill>
+                <a:latin typeface="Courier New" pitchFamily="49" charset="0"/>
+                <a:cs typeface="Courier New" pitchFamily="49" charset="0"/>
+              </a:rPr>
+              <a:t>Iterator</a:t>
             </a:r>
           </a:p>
           <a:p>
@@ -15886,64 +15818,237 @@
               <a:buNone/>
             </a:pPr>
             <a:r>
-              <a:rPr lang="en-US" sz="2800" dirty="0" smtClean="0">
-                <a:solidFill>
-                  <a:srgbClr val="FF0000"/>
-                </a:solidFill>
+              <a:rPr lang="en-US" sz="2800" dirty="0" err="1">
                 <a:latin typeface="Courier New" pitchFamily="49" charset="0"/>
                 <a:cs typeface="Courier New" pitchFamily="49" charset="0"/>
               </a:rPr>
-              <a:t># Print out where we found it</a:t>
+              <a:t>i</a:t>
+            </a:r>
+            <a:r>
+              <a:rPr lang="en-US" sz="2800" dirty="0" smtClean="0">
+                <a:latin typeface="Courier New" pitchFamily="49" charset="0"/>
+                <a:cs typeface="Courier New" pitchFamily="49" charset="0"/>
+              </a:rPr>
+              <a:t> = 1</a:t>
             </a:r>
           </a:p>
           <a:p>
             <a:pPr marL="0" indent="0">
               <a:buNone/>
             </a:pPr>
-            <a:r>
-              <a:rPr lang="en-US" sz="2800" dirty="0">
-                <a:solidFill>
-                  <a:srgbClr val="FF0000"/>
-                </a:solidFill>
-                <a:latin typeface="Courier New" pitchFamily="49" charset="0"/>
-                <a:cs typeface="Courier New" pitchFamily="49" charset="0"/>
-              </a:rPr>
-              <a:t>print(paste(</a:t>
-            </a:r>
-            <a:r>
-              <a:rPr lang="en-US" sz="2800" dirty="0" smtClean="0">
-                <a:solidFill>
-                  <a:srgbClr val="FF0000"/>
-                </a:solidFill>
-                <a:latin typeface="Courier New" pitchFamily="49" charset="0"/>
-                <a:cs typeface="Courier New" pitchFamily="49" charset="0"/>
-              </a:rPr>
-              <a:t>'v1[',</a:t>
-            </a:r>
-            <a:r>
-              <a:rPr lang="en-US" sz="2800" dirty="0" err="1">
-                <a:solidFill>
-                  <a:srgbClr val="FF0000"/>
-                </a:solidFill>
-                <a:latin typeface="Courier New" pitchFamily="49" charset="0"/>
-                <a:cs typeface="Courier New" pitchFamily="49" charset="0"/>
-              </a:rPr>
-              <a:t>i</a:t>
-            </a:r>
-            <a:r>
-              <a:rPr lang="en-US" sz="2800" dirty="0">
-                <a:solidFill>
-                  <a:srgbClr val="FF0000"/>
-                </a:solidFill>
-                <a:latin typeface="Courier New" pitchFamily="49" charset="0"/>
-                <a:cs typeface="Courier New" pitchFamily="49" charset="0"/>
-              </a:rPr>
-              <a:t>,'] = 85',sep=''))</a:t>
-            </a:r>
             <a:endParaRPr lang="en-US" sz="2800" dirty="0" smtClean="0">
               <a:solidFill>
                 <a:srgbClr val="FF0000"/>
               </a:solidFill>
+              <a:latin typeface="Courier New" pitchFamily="49" charset="0"/>
+              <a:cs typeface="Courier New" pitchFamily="49" charset="0"/>
+            </a:endParaRPr>
+          </a:p>
+          <a:p>
+            <a:pPr marL="0" indent="0">
+              <a:buNone/>
+            </a:pPr>
+            <a:r>
+              <a:rPr lang="en-US" sz="2800" dirty="0" smtClean="0">
+                <a:solidFill>
+                  <a:srgbClr val="FF0000"/>
+                </a:solidFill>
+                <a:latin typeface="Courier New" pitchFamily="49" charset="0"/>
+                <a:cs typeface="Courier New" pitchFamily="49" charset="0"/>
+              </a:rPr>
+              <a:t># </a:t>
+            </a:r>
+            <a:r>
+              <a:rPr lang="en-US" sz="2800" dirty="0" smtClean="0">
+                <a:solidFill>
+                  <a:srgbClr val="FF0000"/>
+                </a:solidFill>
+                <a:latin typeface="Courier New" pitchFamily="49" charset="0"/>
+                <a:cs typeface="Courier New" pitchFamily="49" charset="0"/>
+              </a:rPr>
+              <a:t>Look for first instance of 85</a:t>
+            </a:r>
+          </a:p>
+          <a:p>
+            <a:pPr marL="0" indent="0">
+              <a:buNone/>
+            </a:pPr>
+            <a:r>
+              <a:rPr lang="en-US" sz="2800" b="1" dirty="0" smtClean="0">
+                <a:latin typeface="Courier New" pitchFamily="49" charset="0"/>
+                <a:cs typeface="Courier New" pitchFamily="49" charset="0"/>
+              </a:rPr>
+              <a:t>while</a:t>
+            </a:r>
+            <a:r>
+              <a:rPr lang="en-US" sz="2800" dirty="0" smtClean="0">
+                <a:latin typeface="Courier New" pitchFamily="49" charset="0"/>
+                <a:cs typeface="Courier New" pitchFamily="49" charset="0"/>
+              </a:rPr>
+              <a:t>(v1[</a:t>
+            </a:r>
+            <a:r>
+              <a:rPr lang="en-US" sz="2800" dirty="0" err="1" smtClean="0">
+                <a:latin typeface="Courier New" pitchFamily="49" charset="0"/>
+                <a:cs typeface="Courier New" pitchFamily="49" charset="0"/>
+              </a:rPr>
+              <a:t>i</a:t>
+            </a:r>
+            <a:r>
+              <a:rPr lang="en-US" sz="2800" dirty="0" smtClean="0">
+                <a:latin typeface="Courier New" pitchFamily="49" charset="0"/>
+                <a:cs typeface="Courier New" pitchFamily="49" charset="0"/>
+              </a:rPr>
+              <a:t>] != 85) {</a:t>
+            </a:r>
+          </a:p>
+          <a:p>
+            <a:pPr marL="0" indent="0">
+              <a:buNone/>
+            </a:pPr>
+            <a:r>
+              <a:rPr lang="en-US" sz="2800" dirty="0">
+                <a:latin typeface="Courier New" pitchFamily="49" charset="0"/>
+                <a:cs typeface="Courier New" pitchFamily="49" charset="0"/>
+              </a:rPr>
+              <a:t>	</a:t>
+            </a:r>
+            <a:r>
+              <a:rPr lang="en-US" sz="2800" dirty="0" err="1" smtClean="0">
+                <a:latin typeface="Courier New" pitchFamily="49" charset="0"/>
+                <a:cs typeface="Courier New" pitchFamily="49" charset="0"/>
+              </a:rPr>
+              <a:t>i</a:t>
+            </a:r>
+            <a:r>
+              <a:rPr lang="en-US" sz="2800" dirty="0" smtClean="0">
+                <a:latin typeface="Courier New" pitchFamily="49" charset="0"/>
+                <a:cs typeface="Courier New" pitchFamily="49" charset="0"/>
+              </a:rPr>
+              <a:t> = </a:t>
+            </a:r>
+            <a:r>
+              <a:rPr lang="en-US" sz="2800" dirty="0" err="1" smtClean="0">
+                <a:latin typeface="Courier New" pitchFamily="49" charset="0"/>
+                <a:cs typeface="Courier New" pitchFamily="49" charset="0"/>
+              </a:rPr>
+              <a:t>i</a:t>
+            </a:r>
+            <a:r>
+              <a:rPr lang="en-US" sz="2800" dirty="0" smtClean="0">
+                <a:latin typeface="Courier New" pitchFamily="49" charset="0"/>
+                <a:cs typeface="Courier New" pitchFamily="49" charset="0"/>
+              </a:rPr>
+              <a:t> + 1 </a:t>
+            </a:r>
+            <a:endParaRPr lang="en-US" sz="2800" dirty="0">
+              <a:latin typeface="Courier New" pitchFamily="49" charset="0"/>
+              <a:cs typeface="Courier New" pitchFamily="49" charset="0"/>
+            </a:endParaRPr>
+          </a:p>
+          <a:p>
+            <a:pPr marL="0" indent="0">
+              <a:buNone/>
+            </a:pPr>
+            <a:r>
+              <a:rPr lang="en-US" sz="2800" dirty="0" smtClean="0">
+                <a:latin typeface="Courier New" pitchFamily="49" charset="0"/>
+                <a:cs typeface="Courier New" pitchFamily="49" charset="0"/>
+              </a:rPr>
+              <a:t>}</a:t>
+            </a:r>
+          </a:p>
+          <a:p>
+            <a:pPr marL="0" indent="0">
+              <a:buNone/>
+            </a:pPr>
+            <a:endParaRPr lang="en-US" sz="2800" dirty="0" smtClean="0">
+              <a:solidFill>
+                <a:srgbClr val="FF0000"/>
+              </a:solidFill>
+              <a:latin typeface="Courier New" pitchFamily="49" charset="0"/>
+              <a:cs typeface="Courier New" pitchFamily="49" charset="0"/>
+            </a:endParaRPr>
+          </a:p>
+          <a:p>
+            <a:pPr marL="0" indent="0">
+              <a:buNone/>
+            </a:pPr>
+            <a:r>
+              <a:rPr lang="en-US" sz="2800" dirty="0" smtClean="0">
+                <a:solidFill>
+                  <a:srgbClr val="FF0000"/>
+                </a:solidFill>
+                <a:latin typeface="Courier New" pitchFamily="49" charset="0"/>
+                <a:cs typeface="Courier New" pitchFamily="49" charset="0"/>
+              </a:rPr>
+              <a:t># </a:t>
+            </a:r>
+            <a:r>
+              <a:rPr lang="en-US" sz="2800" dirty="0" smtClean="0">
+                <a:solidFill>
+                  <a:srgbClr val="FF0000"/>
+                </a:solidFill>
+                <a:latin typeface="Courier New" pitchFamily="49" charset="0"/>
+                <a:cs typeface="Courier New" pitchFamily="49" charset="0"/>
+              </a:rPr>
+              <a:t>Print out where we found it</a:t>
+            </a:r>
+          </a:p>
+          <a:p>
+            <a:pPr marL="0" indent="0">
+              <a:buNone/>
+            </a:pPr>
+            <a:r>
+              <a:rPr lang="en-US" sz="2800" b="1" dirty="0">
+                <a:latin typeface="Courier New" pitchFamily="49" charset="0"/>
+                <a:cs typeface="Courier New" pitchFamily="49" charset="0"/>
+              </a:rPr>
+              <a:t>print</a:t>
+            </a:r>
+            <a:r>
+              <a:rPr lang="en-US" sz="2800" dirty="0">
+                <a:latin typeface="Courier New" pitchFamily="49" charset="0"/>
+                <a:cs typeface="Courier New" pitchFamily="49" charset="0"/>
+              </a:rPr>
+              <a:t>(</a:t>
+            </a:r>
+            <a:r>
+              <a:rPr lang="en-US" sz="2800" b="1" dirty="0">
+                <a:latin typeface="Courier New" pitchFamily="49" charset="0"/>
+                <a:cs typeface="Courier New" pitchFamily="49" charset="0"/>
+              </a:rPr>
+              <a:t>paste</a:t>
+            </a:r>
+            <a:r>
+              <a:rPr lang="en-US" sz="2800" dirty="0">
+                <a:latin typeface="Courier New" pitchFamily="49" charset="0"/>
+                <a:cs typeface="Courier New" pitchFamily="49" charset="0"/>
+              </a:rPr>
+              <a:t>(</a:t>
+            </a:r>
+            <a:r>
+              <a:rPr lang="en-US" sz="2800" dirty="0" smtClean="0">
+                <a:latin typeface="Courier New" pitchFamily="49" charset="0"/>
+                <a:cs typeface="Courier New" pitchFamily="49" charset="0"/>
+              </a:rPr>
+              <a:t>'v1[',</a:t>
+            </a:r>
+            <a:r>
+              <a:rPr lang="en-US" sz="2800" dirty="0" err="1">
+                <a:latin typeface="Courier New" pitchFamily="49" charset="0"/>
+                <a:cs typeface="Courier New" pitchFamily="49" charset="0"/>
+              </a:rPr>
+              <a:t>i</a:t>
+            </a:r>
+            <a:r>
+              <a:rPr lang="en-US" sz="2800" dirty="0">
+                <a:latin typeface="Courier New" pitchFamily="49" charset="0"/>
+                <a:cs typeface="Courier New" pitchFamily="49" charset="0"/>
+              </a:rPr>
+              <a:t>,'] = 85',sep=''))</a:t>
+            </a:r>
+            <a:endParaRPr lang="en-US" sz="2800" dirty="0" smtClean="0">
               <a:latin typeface="Courier New" pitchFamily="49" charset="0"/>
               <a:cs typeface="Courier New" pitchFamily="49" charset="0"/>
             </a:endParaRPr>
@@ -16071,13 +16176,24 @@
             </a:pPr>
             <a:r>
               <a:rPr lang="en-US" dirty="0">
-                <a:solidFill>
-                  <a:srgbClr val="FF0000"/>
-                </a:solidFill>
                 <a:latin typeface="Courier New" pitchFamily="49" charset="0"/>
                 <a:cs typeface="Courier New" pitchFamily="49" charset="0"/>
               </a:rPr>
-              <a:t>fun = function(arguments) {</a:t>
+              <a:t>fun = </a:t>
+            </a:r>
+            <a:r>
+              <a:rPr lang="en-US" b="1" dirty="0">
+                <a:latin typeface="Courier New" pitchFamily="49" charset="0"/>
+                <a:cs typeface="Courier New" pitchFamily="49" charset="0"/>
+              </a:rPr>
+              <a:t>function</a:t>
+            </a:r>
+            <a:r>
+              <a:rPr lang="en-US" dirty="0">
+                <a:latin typeface="Courier New" pitchFamily="49" charset="0"/>
+                <a:cs typeface="Courier New" pitchFamily="49" charset="0"/>
+              </a:rPr>
+              <a:t>(arguments) {</a:t>
             </a:r>
           </a:p>
           <a:p>
@@ -16086,9 +16202,6 @@
             </a:pPr>
             <a:r>
               <a:rPr lang="en-US" dirty="0">
-                <a:solidFill>
-                  <a:srgbClr val="FF0000"/>
-                </a:solidFill>
                 <a:latin typeface="Courier New" pitchFamily="49" charset="0"/>
                 <a:cs typeface="Courier New" pitchFamily="49" charset="0"/>
               </a:rPr>
@@ -16101,9 +16214,6 @@
             </a:pPr>
             <a:r>
               <a:rPr lang="en-US" dirty="0">
-                <a:solidFill>
-                  <a:srgbClr val="FF0000"/>
-                </a:solidFill>
                 <a:latin typeface="Courier New" pitchFamily="49" charset="0"/>
                 <a:cs typeface="Courier New" pitchFamily="49" charset="0"/>
               </a:rPr>
@@ -16135,9 +16245,6 @@
             </a:pPr>
             <a:r>
               <a:rPr lang="en-US" dirty="0" smtClean="0">
-                <a:solidFill>
-                  <a:srgbClr val="FF0000"/>
-                </a:solidFill>
                 <a:latin typeface="Courier New" pitchFamily="49" charset="0"/>
                 <a:cs typeface="Courier New" pitchFamily="49" charset="0"/>
               </a:rPr>
@@ -16145,9 +16252,6 @@
             </a:r>
             <a:r>
               <a:rPr lang="en-US" dirty="0">
-                <a:solidFill>
-                  <a:srgbClr val="FF0000"/>
-                </a:solidFill>
                 <a:latin typeface="Courier New" pitchFamily="49" charset="0"/>
                 <a:cs typeface="Courier New" pitchFamily="49" charset="0"/>
               </a:rPr>
@@ -16155,9 +16259,6 @@
             </a:r>
             <a:r>
               <a:rPr lang="en-US" dirty="0" smtClean="0">
-                <a:solidFill>
-                  <a:srgbClr val="FF0000"/>
-                </a:solidFill>
                 <a:latin typeface="Courier New" pitchFamily="49" charset="0"/>
                 <a:cs typeface="Courier New" pitchFamily="49" charset="0"/>
               </a:rPr>
@@ -16165,9 +16266,6 @@
             </a:r>
             <a:r>
               <a:rPr lang="en-US" dirty="0" err="1" smtClean="0">
-                <a:solidFill>
-                  <a:srgbClr val="FF0000"/>
-                </a:solidFill>
                 <a:latin typeface="Courier New" pitchFamily="49" charset="0"/>
                 <a:cs typeface="Courier New" pitchFamily="49" charset="0"/>
               </a:rPr>
@@ -16175,9 +16273,6 @@
             </a:r>
             <a:r>
               <a:rPr lang="en-US" dirty="0" smtClean="0">
-                <a:solidFill>
-                  <a:srgbClr val="FF0000"/>
-                </a:solidFill>
                 <a:latin typeface="Courier New" pitchFamily="49" charset="0"/>
                 <a:cs typeface="Courier New" pitchFamily="49" charset="0"/>
               </a:rPr>
@@ -16274,58 +16369,61 @@
             </a:pPr>
             <a:r>
               <a:rPr lang="nn-NO" dirty="0">
-                <a:solidFill>
-                  <a:srgbClr val="FF0000"/>
-                </a:solidFill>
                 <a:latin typeface="Courier New" pitchFamily="49" charset="0"/>
                 <a:cs typeface="Courier New" pitchFamily="49" charset="0"/>
               </a:rPr>
               <a:t>fn1 &lt;- </a:t>
             </a:r>
             <a:r>
-              <a:rPr lang="nn-NO" dirty="0" smtClean="0">
-                <a:solidFill>
-                  <a:srgbClr val="FF0000"/>
-                </a:solidFill>
+              <a:rPr lang="nn-NO" b="1" dirty="0" smtClean="0">
                 <a:latin typeface="Courier New" pitchFamily="49" charset="0"/>
                 <a:cs typeface="Courier New" pitchFamily="49" charset="0"/>
               </a:rPr>
-              <a:t>function(N</a:t>
-            </a:r>
-            <a:r>
-              <a:rPr lang="nn-NO" dirty="0">
-                <a:solidFill>
-                  <a:srgbClr val="FF0000"/>
-                </a:solidFill>
+              <a:t>function</a:t>
+            </a:r>
+            <a:r>
+              <a:rPr lang="nn-NO" dirty="0" smtClean="0">
                 <a:latin typeface="Courier New" pitchFamily="49" charset="0"/>
                 <a:cs typeface="Courier New" pitchFamily="49" charset="0"/>
               </a:rPr>
+              <a:t>(N</a:t>
+            </a:r>
+            <a:r>
+              <a:rPr lang="nn-NO" dirty="0">
+                <a:latin typeface="Courier New" pitchFamily="49" charset="0"/>
+                <a:cs typeface="Courier New" pitchFamily="49" charset="0"/>
+              </a:rPr>
               <a:t>) {</a:t>
             </a:r>
             <a:br>
               <a:rPr lang="nn-NO" dirty="0">
-                <a:solidFill>
-                  <a:srgbClr val="FF0000"/>
-                </a:solidFill>
                 <a:latin typeface="Courier New" pitchFamily="49" charset="0"/>
                 <a:cs typeface="Courier New" pitchFamily="49" charset="0"/>
               </a:rPr>
             </a:br>
             <a:r>
               <a:rPr lang="nn-NO" dirty="0">
-                <a:solidFill>
-                  <a:srgbClr val="FF0000"/>
-                </a:solidFill>
                 <a:latin typeface="Courier New" pitchFamily="49" charset="0"/>
                 <a:cs typeface="Courier New" pitchFamily="49" charset="0"/>
               </a:rPr>
-              <a:t>    for(i in as.numeric(1:N)) </a:t>
+              <a:t>    for(i in </a:t>
+            </a:r>
+            <a:r>
+              <a:rPr lang="nn-NO" b="1" dirty="0">
+                <a:latin typeface="Courier New" pitchFamily="49" charset="0"/>
+                <a:cs typeface="Courier New" pitchFamily="49" charset="0"/>
+              </a:rPr>
+              <a:t>as.numeric</a:t>
+            </a:r>
+            <a:r>
+              <a:rPr lang="nn-NO" dirty="0">
+                <a:latin typeface="Courier New" pitchFamily="49" charset="0"/>
+                <a:cs typeface="Courier New" pitchFamily="49" charset="0"/>
+              </a:rPr>
+              <a:t>(1:N)) </a:t>
             </a:r>
             <a:r>
               <a:rPr lang="nn-NO" dirty="0" smtClean="0">
-                <a:solidFill>
-                  <a:srgbClr val="FF0000"/>
-                </a:solidFill>
                 <a:latin typeface="Courier New" pitchFamily="49" charset="0"/>
                 <a:cs typeface="Courier New" pitchFamily="49" charset="0"/>
               </a:rPr>
@@ -16338,9 +16436,6 @@
             </a:pPr>
             <a:r>
               <a:rPr lang="nn-NO" dirty="0">
-                <a:solidFill>
-                  <a:srgbClr val="FF0000"/>
-                </a:solidFill>
                 <a:latin typeface="Courier New" pitchFamily="49" charset="0"/>
                 <a:cs typeface="Courier New" pitchFamily="49" charset="0"/>
               </a:rPr>
@@ -16348,9 +16443,6 @@
             </a:r>
             <a:r>
               <a:rPr lang="nn-NO" dirty="0" smtClean="0">
-                <a:solidFill>
-                  <a:srgbClr val="FF0000"/>
-                </a:solidFill>
                 <a:latin typeface="Courier New" pitchFamily="49" charset="0"/>
                 <a:cs typeface="Courier New" pitchFamily="49" charset="0"/>
               </a:rPr>
@@ -16358,9 +16450,6 @@
             </a:r>
             <a:r>
               <a:rPr lang="nn-NO" dirty="0">
-                <a:solidFill>
-                  <a:srgbClr val="FF0000"/>
-                </a:solidFill>
                 <a:latin typeface="Courier New" pitchFamily="49" charset="0"/>
                 <a:cs typeface="Courier New" pitchFamily="49" charset="0"/>
               </a:rPr>
@@ -16368,9 +16457,6 @@
             </a:r>
             <a:r>
               <a:rPr lang="nn-NO" dirty="0" smtClean="0">
-                <a:solidFill>
-                  <a:srgbClr val="FF0000"/>
-                </a:solidFill>
                 <a:latin typeface="Courier New" pitchFamily="49" charset="0"/>
                 <a:cs typeface="Courier New" pitchFamily="49" charset="0"/>
               </a:rPr>
@@ -16383,9 +16469,6 @@
             </a:pPr>
             <a:r>
               <a:rPr lang="nn-NO" dirty="0" smtClean="0">
-                <a:solidFill>
-                  <a:srgbClr val="FF0000"/>
-                </a:solidFill>
                 <a:latin typeface="Courier New" pitchFamily="49" charset="0"/>
                 <a:cs typeface="Courier New" pitchFamily="49" charset="0"/>
               </a:rPr>
@@ -16393,9 +16476,6 @@
             </a:r>
             <a:r>
               <a:rPr lang="nn-NO" dirty="0">
-                <a:solidFill>
-                  <a:srgbClr val="FF0000"/>
-                </a:solidFill>
                 <a:latin typeface="Courier New" pitchFamily="49" charset="0"/>
                 <a:cs typeface="Courier New" pitchFamily="49" charset="0"/>
               </a:rPr>
@@ -16403,18 +16483,12 @@
             </a:r>
             <a:br>
               <a:rPr lang="nn-NO" dirty="0">
-                <a:solidFill>
-                  <a:srgbClr val="FF0000"/>
-                </a:solidFill>
                 <a:latin typeface="Courier New" pitchFamily="49" charset="0"/>
                 <a:cs typeface="Courier New" pitchFamily="49" charset="0"/>
               </a:rPr>
             </a:br>
             <a:r>
               <a:rPr lang="nn-NO" dirty="0">
-                <a:solidFill>
-                  <a:srgbClr val="FF0000"/>
-                </a:solidFill>
                 <a:latin typeface="Courier New" pitchFamily="49" charset="0"/>
                 <a:cs typeface="Courier New" pitchFamily="49" charset="0"/>
               </a:rPr>
@@ -16422,17 +16496,11 @@
             </a:r>
             <a:br>
               <a:rPr lang="nn-NO" dirty="0">
-                <a:solidFill>
-                  <a:srgbClr val="FF0000"/>
-                </a:solidFill>
                 <a:latin typeface="Courier New" pitchFamily="49" charset="0"/>
                 <a:cs typeface="Courier New" pitchFamily="49" charset="0"/>
               </a:rPr>
             </a:br>
             <a:endParaRPr lang="nn-NO" dirty="0" smtClean="0">
-              <a:solidFill>
-                <a:srgbClr val="FF0000"/>
-              </a:solidFill>
               <a:latin typeface="Courier New" pitchFamily="49" charset="0"/>
               <a:cs typeface="Courier New" pitchFamily="49" charset="0"/>
             </a:endParaRPr>
@@ -16443,9 +16511,6 @@
             </a:pPr>
             <a:r>
               <a:rPr lang="nn-NO" dirty="0" smtClean="0">
-                <a:solidFill>
-                  <a:srgbClr val="FF0000"/>
-                </a:solidFill>
                 <a:latin typeface="Courier New" pitchFamily="49" charset="0"/>
                 <a:cs typeface="Courier New" pitchFamily="49" charset="0"/>
               </a:rPr>
@@ -16453,39 +16518,34 @@
             </a:r>
             <a:r>
               <a:rPr lang="nn-NO" dirty="0">
-                <a:solidFill>
-                  <a:srgbClr val="FF0000"/>
-                </a:solidFill>
                 <a:latin typeface="Courier New" pitchFamily="49" charset="0"/>
                 <a:cs typeface="Courier New" pitchFamily="49" charset="0"/>
               </a:rPr>
               <a:t>&lt;- </a:t>
             </a:r>
             <a:r>
-              <a:rPr lang="nn-NO" dirty="0" smtClean="0">
-                <a:solidFill>
-                  <a:srgbClr val="FF0000"/>
-                </a:solidFill>
+              <a:rPr lang="nn-NO" b="1" dirty="0" smtClean="0">
                 <a:latin typeface="Courier New" pitchFamily="49" charset="0"/>
                 <a:cs typeface="Courier New" pitchFamily="49" charset="0"/>
               </a:rPr>
-              <a:t>function(N</a:t>
-            </a:r>
-            <a:r>
-              <a:rPr lang="nn-NO" dirty="0">
-                <a:solidFill>
-                  <a:srgbClr val="FF0000"/>
-                </a:solidFill>
+              <a:t>function</a:t>
+            </a:r>
+            <a:r>
+              <a:rPr lang="nn-NO" dirty="0" smtClean="0">
                 <a:latin typeface="Courier New" pitchFamily="49" charset="0"/>
                 <a:cs typeface="Courier New" pitchFamily="49" charset="0"/>
               </a:rPr>
+              <a:t>(N</a:t>
+            </a:r>
+            <a:r>
+              <a:rPr lang="nn-NO" dirty="0">
+                <a:latin typeface="Courier New" pitchFamily="49" charset="0"/>
+                <a:cs typeface="Courier New" pitchFamily="49" charset="0"/>
+              </a:rPr>
               <a:t>) </a:t>
             </a:r>
             <a:r>
               <a:rPr lang="nn-NO" dirty="0" smtClean="0">
-                <a:solidFill>
-                  <a:srgbClr val="FF0000"/>
-                </a:solidFill>
                 <a:latin typeface="Courier New" pitchFamily="49" charset="0"/>
                 <a:cs typeface="Courier New" pitchFamily="49" charset="0"/>
               </a:rPr>
@@ -16498,9 +16558,6 @@
             </a:pPr>
             <a:r>
               <a:rPr lang="nn-NO" dirty="0">
-                <a:solidFill>
-                  <a:srgbClr val="FF0000"/>
-                </a:solidFill>
                 <a:latin typeface="Courier New" pitchFamily="49" charset="0"/>
                 <a:cs typeface="Courier New" pitchFamily="49" charset="0"/>
               </a:rPr>
@@ -16508,9 +16565,6 @@
             </a:r>
             <a:r>
               <a:rPr lang="nn-NO" dirty="0" smtClean="0">
-                <a:solidFill>
-                  <a:srgbClr val="FF0000"/>
-                </a:solidFill>
                 <a:latin typeface="Courier New" pitchFamily="49" charset="0"/>
                 <a:cs typeface="Courier New" pitchFamily="49" charset="0"/>
               </a:rPr>
@@ -16523,9 +16577,6 @@
             </a:pPr>
             <a:r>
               <a:rPr lang="nn-NO" dirty="0">
-                <a:solidFill>
-                  <a:srgbClr val="FF0000"/>
-                </a:solidFill>
                 <a:latin typeface="Courier New" pitchFamily="49" charset="0"/>
                 <a:cs typeface="Courier New" pitchFamily="49" charset="0"/>
               </a:rPr>
@@ -16533,29 +16584,34 @@
             </a:r>
             <a:r>
               <a:rPr lang="nn-NO" dirty="0" smtClean="0">
-                <a:solidFill>
-                  <a:srgbClr val="FF0000"/>
-                </a:solidFill>
                 <a:latin typeface="Courier New" pitchFamily="49" charset="0"/>
                 <a:cs typeface="Courier New" pitchFamily="49" charset="0"/>
               </a:rPr>
-              <a:t>   while(i </a:t>
-            </a:r>
-            <a:r>
-              <a:rPr lang="nn-NO" dirty="0">
-                <a:solidFill>
-                  <a:srgbClr val="FF0000"/>
-                </a:solidFill>
+              <a:t>   </a:t>
+            </a:r>
+            <a:r>
+              <a:rPr lang="nn-NO" b="1" dirty="0" smtClean="0">
                 <a:latin typeface="Courier New" pitchFamily="49" charset="0"/>
                 <a:cs typeface="Courier New" pitchFamily="49" charset="0"/>
               </a:rPr>
+              <a:t>while</a:t>
+            </a:r>
+            <a:r>
+              <a:rPr lang="nn-NO" dirty="0" smtClean="0">
+                <a:latin typeface="Courier New" pitchFamily="49" charset="0"/>
+                <a:cs typeface="Courier New" pitchFamily="49" charset="0"/>
+              </a:rPr>
+              <a:t>(i </a:t>
+            </a:r>
+            <a:r>
+              <a:rPr lang="nn-NO" dirty="0">
+                <a:latin typeface="Courier New" pitchFamily="49" charset="0"/>
+                <a:cs typeface="Courier New" pitchFamily="49" charset="0"/>
+              </a:rPr>
               <a:t>&lt;= </a:t>
             </a:r>
             <a:r>
               <a:rPr lang="nn-NO" dirty="0" smtClean="0">
-                <a:solidFill>
-                  <a:srgbClr val="FF0000"/>
-                </a:solidFill>
                 <a:latin typeface="Courier New" pitchFamily="49" charset="0"/>
                 <a:cs typeface="Courier New" pitchFamily="49" charset="0"/>
               </a:rPr>
@@ -16568,9 +16624,6 @@
             </a:pPr>
             <a:r>
               <a:rPr lang="nn-NO" dirty="0">
-                <a:solidFill>
-                  <a:srgbClr val="FF0000"/>
-                </a:solidFill>
                 <a:latin typeface="Courier New" pitchFamily="49" charset="0"/>
                 <a:cs typeface="Courier New" pitchFamily="49" charset="0"/>
               </a:rPr>
@@ -16578,9 +16631,6 @@
             </a:r>
             <a:r>
               <a:rPr lang="nn-NO" dirty="0" smtClean="0">
-                <a:solidFill>
-                  <a:srgbClr val="FF0000"/>
-                </a:solidFill>
                 <a:latin typeface="Courier New" pitchFamily="49" charset="0"/>
                 <a:cs typeface="Courier New" pitchFamily="49" charset="0"/>
               </a:rPr>
@@ -16588,9 +16638,6 @@
             </a:r>
             <a:r>
               <a:rPr lang="nn-NO" dirty="0">
-                <a:solidFill>
-                  <a:srgbClr val="FF0000"/>
-                </a:solidFill>
                 <a:latin typeface="Courier New" pitchFamily="49" charset="0"/>
                 <a:cs typeface="Courier New" pitchFamily="49" charset="0"/>
               </a:rPr>
@@ -16598,18 +16645,12 @@
             </a:r>
             <a:r>
               <a:rPr lang="nn-NO" dirty="0" smtClean="0">
-                <a:solidFill>
-                  <a:srgbClr val="FF0000"/>
-                </a:solidFill>
                 <a:latin typeface="Courier New" pitchFamily="49" charset="0"/>
                 <a:cs typeface="Courier New" pitchFamily="49" charset="0"/>
               </a:rPr>
               <a:t>i*i</a:t>
             </a:r>
             <a:endParaRPr lang="nn-NO" dirty="0">
-              <a:solidFill>
-                <a:srgbClr val="FF0000"/>
-              </a:solidFill>
               <a:latin typeface="Courier New" pitchFamily="49" charset="0"/>
               <a:cs typeface="Courier New" pitchFamily="49" charset="0"/>
             </a:endParaRPr>
@@ -16620,9 +16661,6 @@
             </a:pPr>
             <a:r>
               <a:rPr lang="nn-NO" dirty="0">
-                <a:solidFill>
-                  <a:srgbClr val="FF0000"/>
-                </a:solidFill>
                 <a:latin typeface="Courier New" pitchFamily="49" charset="0"/>
                 <a:cs typeface="Courier New" pitchFamily="49" charset="0"/>
               </a:rPr>
@@ -16630,9 +16668,6 @@
             </a:r>
             <a:r>
               <a:rPr lang="nn-NO" dirty="0" smtClean="0">
-                <a:solidFill>
-                  <a:srgbClr val="FF0000"/>
-                </a:solidFill>
                 <a:latin typeface="Courier New" pitchFamily="49" charset="0"/>
                 <a:cs typeface="Courier New" pitchFamily="49" charset="0"/>
               </a:rPr>
@@ -16640,9 +16675,6 @@
             </a:r>
             <a:r>
               <a:rPr lang="nn-NO" dirty="0">
-                <a:solidFill>
-                  <a:srgbClr val="FF0000"/>
-                </a:solidFill>
                 <a:latin typeface="Courier New" pitchFamily="49" charset="0"/>
                 <a:cs typeface="Courier New" pitchFamily="49" charset="0"/>
               </a:rPr>
@@ -16650,18 +16682,12 @@
             </a:r>
             <a:r>
               <a:rPr lang="nn-NO" dirty="0" smtClean="0">
-                <a:solidFill>
-                  <a:srgbClr val="FF0000"/>
-                </a:solidFill>
                 <a:latin typeface="Courier New" pitchFamily="49" charset="0"/>
                 <a:cs typeface="Courier New" pitchFamily="49" charset="0"/>
               </a:rPr>
               <a:t>1</a:t>
             </a:r>
             <a:endParaRPr lang="nn-NO" dirty="0">
-              <a:solidFill>
-                <a:srgbClr val="FF0000"/>
-              </a:solidFill>
               <a:latin typeface="Courier New" pitchFamily="49" charset="0"/>
               <a:cs typeface="Courier New" pitchFamily="49" charset="0"/>
             </a:endParaRPr>
@@ -16672,9 +16698,6 @@
             </a:pPr>
             <a:r>
               <a:rPr lang="nn-NO" dirty="0">
-                <a:solidFill>
-                  <a:srgbClr val="FF0000"/>
-                </a:solidFill>
                 <a:latin typeface="Courier New" pitchFamily="49" charset="0"/>
                 <a:cs typeface="Courier New" pitchFamily="49" charset="0"/>
               </a:rPr>
@@ -16682,18 +16705,12 @@
             </a:r>
             <a:r>
               <a:rPr lang="nn-NO" dirty="0" smtClean="0">
-                <a:solidFill>
-                  <a:srgbClr val="FF0000"/>
-                </a:solidFill>
                 <a:latin typeface="Courier New" pitchFamily="49" charset="0"/>
                 <a:cs typeface="Courier New" pitchFamily="49" charset="0"/>
               </a:rPr>
               <a:t>   }</a:t>
             </a:r>
             <a:endParaRPr lang="nn-NO" dirty="0">
-              <a:solidFill>
-                <a:srgbClr val="FF0000"/>
-              </a:solidFill>
               <a:latin typeface="Courier New" pitchFamily="49" charset="0"/>
               <a:cs typeface="Courier New" pitchFamily="49" charset="0"/>
             </a:endParaRPr>
@@ -16704,9 +16721,6 @@
             </a:pPr>
             <a:r>
               <a:rPr lang="nn-NO" dirty="0" smtClean="0">
-                <a:solidFill>
-                  <a:srgbClr val="FF0000"/>
-                </a:solidFill>
                 <a:latin typeface="Courier New" pitchFamily="49" charset="0"/>
                 <a:cs typeface="Courier New" pitchFamily="49" charset="0"/>
               </a:rPr>
@@ -16718,9 +16732,6 @@
               <a:buNone/>
             </a:pPr>
             <a:endParaRPr lang="nn-NO" dirty="0">
-              <a:solidFill>
-                <a:srgbClr val="FF0000"/>
-              </a:solidFill>
               <a:latin typeface="Courier New" pitchFamily="49" charset="0"/>
               <a:cs typeface="Courier New" pitchFamily="49" charset="0"/>
             </a:endParaRPr>
@@ -16730,14 +16741,32 @@
               <a:buNone/>
             </a:pPr>
             <a:r>
-              <a:rPr lang="nn-NO" dirty="0" smtClean="0">
-                <a:solidFill>
-                  <a:srgbClr val="FF0000"/>
-                </a:solidFill>
+              <a:rPr lang="nn-NO" b="1" dirty="0" smtClean="0">
                 <a:latin typeface="Courier New" pitchFamily="49" charset="0"/>
                 <a:cs typeface="Courier New" pitchFamily="49" charset="0"/>
               </a:rPr>
-              <a:t>system.time(fn1(60000))</a:t>
+              <a:t>system.time</a:t>
+            </a:r>
+            <a:r>
+              <a:rPr lang="nn-NO" dirty="0" smtClean="0">
+                <a:latin typeface="Courier New" pitchFamily="49" charset="0"/>
+                <a:cs typeface="Courier New" pitchFamily="49" charset="0"/>
+              </a:rPr>
+              <a:t>(</a:t>
+            </a:r>
+            <a:r>
+              <a:rPr lang="nn-NO" b="1" dirty="0" smtClean="0">
+                <a:latin typeface="Courier New" pitchFamily="49" charset="0"/>
+                <a:cs typeface="Courier New" pitchFamily="49" charset="0"/>
+              </a:rPr>
+              <a:t>fn1</a:t>
+            </a:r>
+            <a:r>
+              <a:rPr lang="nn-NO" dirty="0" smtClean="0">
+                <a:latin typeface="Courier New" pitchFamily="49" charset="0"/>
+                <a:cs typeface="Courier New" pitchFamily="49" charset="0"/>
+              </a:rPr>
+              <a:t>(60000))</a:t>
             </a:r>
           </a:p>
           <a:p>
@@ -16745,20 +16774,35 @@
               <a:buNone/>
             </a:pPr>
             <a:r>
-              <a:rPr lang="nn-NO" dirty="0" smtClean="0">
-                <a:solidFill>
-                  <a:srgbClr val="FF0000"/>
-                </a:solidFill>
+              <a:rPr lang="nn-NO" b="1" dirty="0" smtClean="0">
                 <a:latin typeface="Courier New" pitchFamily="49" charset="0"/>
                 <a:cs typeface="Courier New" pitchFamily="49" charset="0"/>
               </a:rPr>
-              <a:t>system.time(fn2(60000</a:t>
+              <a:t>system.time</a:t>
+            </a:r>
+            <a:r>
+              <a:rPr lang="nn-NO" dirty="0" smtClean="0">
+                <a:latin typeface="Courier New" pitchFamily="49" charset="0"/>
+                <a:cs typeface="Courier New" pitchFamily="49" charset="0"/>
+              </a:rPr>
+              <a:t>(</a:t>
+            </a:r>
+            <a:r>
+              <a:rPr lang="nn-NO" b="1" dirty="0" smtClean="0">
+                <a:latin typeface="Courier New" pitchFamily="49" charset="0"/>
+                <a:cs typeface="Courier New" pitchFamily="49" charset="0"/>
+              </a:rPr>
+              <a:t>fn2</a:t>
+            </a:r>
+            <a:r>
+              <a:rPr lang="nn-NO" dirty="0" smtClean="0">
+                <a:latin typeface="Courier New" pitchFamily="49" charset="0"/>
+                <a:cs typeface="Courier New" pitchFamily="49" charset="0"/>
+              </a:rPr>
+              <a:t>(60000</a:t>
             </a:r>
             <a:r>
               <a:rPr lang="nn-NO" dirty="0">
-                <a:solidFill>
-                  <a:srgbClr val="FF0000"/>
-                </a:solidFill>
                 <a:latin typeface="Courier New" pitchFamily="49" charset="0"/>
                 <a:cs typeface="Courier New" pitchFamily="49" charset="0"/>
               </a:rPr>
@@ -18539,13 +18583,6 @@
               </a:rPr>
               <a:t>="stats")</a:t>
             </a:r>
-            <a:endParaRPr lang="en-US" dirty="0">
-              <a:solidFill>
-                <a:srgbClr val="FF0000"/>
-              </a:solidFill>
-              <a:latin typeface="Courier New" pitchFamily="49" charset="0"/>
-              <a:cs typeface="Courier New" pitchFamily="49" charset="0"/>
-            </a:endParaRPr>
           </a:p>
         </p:txBody>
       </p:sp>
